--- a/hw02.pptx
+++ b/hw02.pptx
@@ -2,18 +2,28 @@
 <file path=ppt/presentation.xml><?xml version="1.0" encoding="utf-8"?>
 <p:presentation xmlns:a="http://schemas.openxmlformats.org/drawingml/2006/main" xmlns:r="http://schemas.openxmlformats.org/officeDocument/2006/relationships" xmlns:p="http://schemas.openxmlformats.org/presentationml/2006/main" saveSubsetFonts="1">
   <p:sldMasterIdLst>
-    <p:sldMasterId id="2147483648" r:id="rId1"/>
+    <p:sldMasterId id="2147483696" r:id="rId1"/>
   </p:sldMasterIdLst>
+  <p:notesMasterIdLst>
+    <p:notesMasterId r:id="rId10"/>
+  </p:notesMasterIdLst>
   <p:sldIdLst>
     <p:sldId id="256" r:id="rId2"/>
+    <p:sldId id="257" r:id="rId3"/>
+    <p:sldId id="258" r:id="rId4"/>
+    <p:sldId id="259" r:id="rId5"/>
+    <p:sldId id="260" r:id="rId6"/>
+    <p:sldId id="261" r:id="rId7"/>
+    <p:sldId id="262" r:id="rId8"/>
+    <p:sldId id="263" r:id="rId9"/>
   </p:sldIdLst>
   <p:sldSz cx="12192000" cy="6858000"/>
   <p:notesSz cx="6858000" cy="9144000"/>
   <p:defaultTextStyle>
     <a:defPPr>
-      <a:defRPr lang="zh-TW"/>
+      <a:defRPr lang="en-US"/>
     </a:defPPr>
-    <a:lvl1pPr marL="0" algn="l" defTabSz="914400" rtl="0" eaLnBrk="1" latinLnBrk="0" hangingPunct="1">
+    <a:lvl1pPr marL="0" algn="l" defTabSz="457200" rtl="0" eaLnBrk="1" latinLnBrk="0" hangingPunct="1">
       <a:defRPr sz="1800" kern="1200">
         <a:solidFill>
           <a:schemeClr val="tx1"/>
@@ -23,7 +33,7 @@
         <a:cs typeface="+mn-cs"/>
       </a:defRPr>
     </a:lvl1pPr>
-    <a:lvl2pPr marL="457200" algn="l" defTabSz="914400" rtl="0" eaLnBrk="1" latinLnBrk="0" hangingPunct="1">
+    <a:lvl2pPr marL="457200" algn="l" defTabSz="457200" rtl="0" eaLnBrk="1" latinLnBrk="0" hangingPunct="1">
       <a:defRPr sz="1800" kern="1200">
         <a:solidFill>
           <a:schemeClr val="tx1"/>
@@ -33,7 +43,7 @@
         <a:cs typeface="+mn-cs"/>
       </a:defRPr>
     </a:lvl2pPr>
-    <a:lvl3pPr marL="914400" algn="l" defTabSz="914400" rtl="0" eaLnBrk="1" latinLnBrk="0" hangingPunct="1">
+    <a:lvl3pPr marL="914400" algn="l" defTabSz="457200" rtl="0" eaLnBrk="1" latinLnBrk="0" hangingPunct="1">
       <a:defRPr sz="1800" kern="1200">
         <a:solidFill>
           <a:schemeClr val="tx1"/>
@@ -43,7 +53,7 @@
         <a:cs typeface="+mn-cs"/>
       </a:defRPr>
     </a:lvl3pPr>
-    <a:lvl4pPr marL="1371600" algn="l" defTabSz="914400" rtl="0" eaLnBrk="1" latinLnBrk="0" hangingPunct="1">
+    <a:lvl4pPr marL="1371600" algn="l" defTabSz="457200" rtl="0" eaLnBrk="1" latinLnBrk="0" hangingPunct="1">
       <a:defRPr sz="1800" kern="1200">
         <a:solidFill>
           <a:schemeClr val="tx1"/>
@@ -53,7 +63,7 @@
         <a:cs typeface="+mn-cs"/>
       </a:defRPr>
     </a:lvl4pPr>
-    <a:lvl5pPr marL="1828800" algn="l" defTabSz="914400" rtl="0" eaLnBrk="1" latinLnBrk="0" hangingPunct="1">
+    <a:lvl5pPr marL="1828800" algn="l" defTabSz="457200" rtl="0" eaLnBrk="1" latinLnBrk="0" hangingPunct="1">
       <a:defRPr sz="1800" kern="1200">
         <a:solidFill>
           <a:schemeClr val="tx1"/>
@@ -63,7 +73,7 @@
         <a:cs typeface="+mn-cs"/>
       </a:defRPr>
     </a:lvl5pPr>
-    <a:lvl6pPr marL="2286000" algn="l" defTabSz="914400" rtl="0" eaLnBrk="1" latinLnBrk="0" hangingPunct="1">
+    <a:lvl6pPr marL="2286000" algn="l" defTabSz="457200" rtl="0" eaLnBrk="1" latinLnBrk="0" hangingPunct="1">
       <a:defRPr sz="1800" kern="1200">
         <a:solidFill>
           <a:schemeClr val="tx1"/>
@@ -73,7 +83,7 @@
         <a:cs typeface="+mn-cs"/>
       </a:defRPr>
     </a:lvl6pPr>
-    <a:lvl7pPr marL="2743200" algn="l" defTabSz="914400" rtl="0" eaLnBrk="1" latinLnBrk="0" hangingPunct="1">
+    <a:lvl7pPr marL="2743200" algn="l" defTabSz="457200" rtl="0" eaLnBrk="1" latinLnBrk="0" hangingPunct="1">
       <a:defRPr sz="1800" kern="1200">
         <a:solidFill>
           <a:schemeClr val="tx1"/>
@@ -83,7 +93,7 @@
         <a:cs typeface="+mn-cs"/>
       </a:defRPr>
     </a:lvl7pPr>
-    <a:lvl8pPr marL="3200400" algn="l" defTabSz="914400" rtl="0" eaLnBrk="1" latinLnBrk="0" hangingPunct="1">
+    <a:lvl8pPr marL="3200400" algn="l" defTabSz="457200" rtl="0" eaLnBrk="1" latinLnBrk="0" hangingPunct="1">
       <a:defRPr sz="1800" kern="1200">
         <a:solidFill>
           <a:schemeClr val="tx1"/>
@@ -93,7 +103,7 @@
         <a:cs typeface="+mn-cs"/>
       </a:defRPr>
     </a:lvl8pPr>
-    <a:lvl9pPr marL="3657600" algn="l" defTabSz="914400" rtl="0" eaLnBrk="1" latinLnBrk="0" hangingPunct="1">
+    <a:lvl9pPr marL="3657600" algn="l" defTabSz="457200" rtl="0" eaLnBrk="1" latinLnBrk="0" hangingPunct="1">
       <a:defRPr sz="1800" kern="1200">
         <a:solidFill>
           <a:schemeClr val="tx1"/>
@@ -104,7 +114,973 @@
       </a:defRPr>
     </a:lvl9pPr>
   </p:defaultTextStyle>
+  <p:extLst>
+    <p:ext uri="{EFAFB233-063F-42B5-8137-9DF3F51BA10A}">
+      <p15:sldGuideLst xmlns:p15="http://schemas.microsoft.com/office/powerpoint/2012/main"/>
+    </p:ext>
+  </p:extLst>
 </p:presentation>
+</file>
+
+<file path=ppt/notesMasters/notesMaster1.xml><?xml version="1.0" encoding="utf-8"?>
+<p:notesMaster xmlns:a="http://schemas.openxmlformats.org/drawingml/2006/main" xmlns:r="http://schemas.openxmlformats.org/officeDocument/2006/relationships" xmlns:p="http://schemas.openxmlformats.org/presentationml/2006/main">
+  <p:cSld>
+    <p:bg>
+      <p:bgRef idx="1001">
+        <a:schemeClr val="bg1"/>
+      </p:bgRef>
+    </p:bg>
+    <p:spTree>
+      <p:nvGrpSpPr>
+        <p:cNvPr id="1" name=""/>
+        <p:cNvGrpSpPr/>
+        <p:nvPr/>
+      </p:nvGrpSpPr>
+      <p:grpSpPr>
+        <a:xfrm>
+          <a:off x="0" y="0"/>
+          <a:ext cx="0" cy="0"/>
+          <a:chOff x="0" y="0"/>
+          <a:chExt cx="0" cy="0"/>
+        </a:xfrm>
+      </p:grpSpPr>
+      <p:sp>
+        <p:nvSpPr>
+          <p:cNvPr id="2" name="頁首版面配置區 1"/>
+          <p:cNvSpPr>
+            <a:spLocks noGrp="1"/>
+          </p:cNvSpPr>
+          <p:nvPr>
+            <p:ph type="hdr" sz="quarter"/>
+          </p:nvPr>
+        </p:nvSpPr>
+        <p:spPr>
+          <a:xfrm>
+            <a:off x="0" y="0"/>
+            <a:ext cx="2971800" cy="458788"/>
+          </a:xfrm>
+          <a:prstGeom prst="rect">
+            <a:avLst/>
+          </a:prstGeom>
+        </p:spPr>
+        <p:txBody>
+          <a:bodyPr vert="horz" lIns="91440" tIns="45720" rIns="91440" bIns="45720" rtlCol="0"/>
+          <a:lstStyle>
+            <a:lvl1pPr algn="l">
+              <a:defRPr sz="1200"/>
+            </a:lvl1pPr>
+          </a:lstStyle>
+          <a:p>
+            <a:endParaRPr lang="zh-TW" altLang="en-US"/>
+          </a:p>
+        </p:txBody>
+      </p:sp>
+      <p:sp>
+        <p:nvSpPr>
+          <p:cNvPr id="3" name="日期版面配置區 2"/>
+          <p:cNvSpPr>
+            <a:spLocks noGrp="1"/>
+          </p:cNvSpPr>
+          <p:nvPr>
+            <p:ph type="dt" idx="1"/>
+          </p:nvPr>
+        </p:nvSpPr>
+        <p:spPr>
+          <a:xfrm>
+            <a:off x="3884613" y="0"/>
+            <a:ext cx="2971800" cy="458788"/>
+          </a:xfrm>
+          <a:prstGeom prst="rect">
+            <a:avLst/>
+          </a:prstGeom>
+        </p:spPr>
+        <p:txBody>
+          <a:bodyPr vert="horz" lIns="91440" tIns="45720" rIns="91440" bIns="45720" rtlCol="0"/>
+          <a:lstStyle>
+            <a:lvl1pPr algn="r">
+              <a:defRPr sz="1200"/>
+            </a:lvl1pPr>
+          </a:lstStyle>
+          <a:p>
+            <a:fld id="{71CC6A79-C548-44D5-91B0-627BDBC0BEA9}" type="datetimeFigureOut">
+              <a:rPr lang="zh-TW" altLang="en-US" smtClean="0"/>
+              <a:t>2024/10/21</a:t>
+            </a:fld>
+            <a:endParaRPr lang="zh-TW" altLang="en-US"/>
+          </a:p>
+        </p:txBody>
+      </p:sp>
+      <p:sp>
+        <p:nvSpPr>
+          <p:cNvPr id="4" name="投影片影像版面配置區 3"/>
+          <p:cNvSpPr>
+            <a:spLocks noGrp="1" noRot="1" noChangeAspect="1"/>
+          </p:cNvSpPr>
+          <p:nvPr>
+            <p:ph type="sldImg" idx="2"/>
+          </p:nvPr>
+        </p:nvSpPr>
+        <p:spPr>
+          <a:xfrm>
+            <a:off x="685800" y="1143000"/>
+            <a:ext cx="5486400" cy="3086100"/>
+          </a:xfrm>
+          <a:prstGeom prst="rect">
+            <a:avLst/>
+          </a:prstGeom>
+          <a:noFill/>
+          <a:ln w="12700">
+            <a:solidFill>
+              <a:prstClr val="black"/>
+            </a:solidFill>
+          </a:ln>
+        </p:spPr>
+        <p:txBody>
+          <a:bodyPr vert="horz" lIns="91440" tIns="45720" rIns="91440" bIns="45720" rtlCol="0" anchor="ctr"/>
+          <a:lstStyle/>
+          <a:p>
+            <a:endParaRPr lang="zh-TW" altLang="en-US"/>
+          </a:p>
+        </p:txBody>
+      </p:sp>
+      <p:sp>
+        <p:nvSpPr>
+          <p:cNvPr id="5" name="備忘稿版面配置區 4"/>
+          <p:cNvSpPr>
+            <a:spLocks noGrp="1"/>
+          </p:cNvSpPr>
+          <p:nvPr>
+            <p:ph type="body" sz="quarter" idx="3"/>
+          </p:nvPr>
+        </p:nvSpPr>
+        <p:spPr>
+          <a:xfrm>
+            <a:off x="685800" y="4400550"/>
+            <a:ext cx="5486400" cy="3600450"/>
+          </a:xfrm>
+          <a:prstGeom prst="rect">
+            <a:avLst/>
+          </a:prstGeom>
+        </p:spPr>
+        <p:txBody>
+          <a:bodyPr vert="horz" lIns="91440" tIns="45720" rIns="91440" bIns="45720" rtlCol="0"/>
+          <a:lstStyle/>
+          <a:p>
+            <a:pPr lvl="0"/>
+            <a:r>
+              <a:rPr lang="zh-TW" altLang="en-US"/>
+              <a:t>按一下以編輯母片文字樣式</a:t>
+            </a:r>
+          </a:p>
+          <a:p>
+            <a:pPr lvl="1"/>
+            <a:r>
+              <a:rPr lang="zh-TW" altLang="en-US"/>
+              <a:t>第二層</a:t>
+            </a:r>
+          </a:p>
+          <a:p>
+            <a:pPr lvl="2"/>
+            <a:r>
+              <a:rPr lang="zh-TW" altLang="en-US"/>
+              <a:t>第三層</a:t>
+            </a:r>
+          </a:p>
+          <a:p>
+            <a:pPr lvl="3"/>
+            <a:r>
+              <a:rPr lang="zh-TW" altLang="en-US"/>
+              <a:t>第四層</a:t>
+            </a:r>
+          </a:p>
+          <a:p>
+            <a:pPr lvl="4"/>
+            <a:r>
+              <a:rPr lang="zh-TW" altLang="en-US"/>
+              <a:t>第五層</a:t>
+            </a:r>
+          </a:p>
+        </p:txBody>
+      </p:sp>
+      <p:sp>
+        <p:nvSpPr>
+          <p:cNvPr id="6" name="頁尾版面配置區 5"/>
+          <p:cNvSpPr>
+            <a:spLocks noGrp="1"/>
+          </p:cNvSpPr>
+          <p:nvPr>
+            <p:ph type="ftr" sz="quarter" idx="4"/>
+          </p:nvPr>
+        </p:nvSpPr>
+        <p:spPr>
+          <a:xfrm>
+            <a:off x="0" y="8685213"/>
+            <a:ext cx="2971800" cy="458787"/>
+          </a:xfrm>
+          <a:prstGeom prst="rect">
+            <a:avLst/>
+          </a:prstGeom>
+        </p:spPr>
+        <p:txBody>
+          <a:bodyPr vert="horz" lIns="91440" tIns="45720" rIns="91440" bIns="45720" rtlCol="0" anchor="b"/>
+          <a:lstStyle>
+            <a:lvl1pPr algn="l">
+              <a:defRPr sz="1200"/>
+            </a:lvl1pPr>
+          </a:lstStyle>
+          <a:p>
+            <a:endParaRPr lang="zh-TW" altLang="en-US"/>
+          </a:p>
+        </p:txBody>
+      </p:sp>
+      <p:sp>
+        <p:nvSpPr>
+          <p:cNvPr id="7" name="投影片編號版面配置區 6"/>
+          <p:cNvSpPr>
+            <a:spLocks noGrp="1"/>
+          </p:cNvSpPr>
+          <p:nvPr>
+            <p:ph type="sldNum" sz="quarter" idx="5"/>
+          </p:nvPr>
+        </p:nvSpPr>
+        <p:spPr>
+          <a:xfrm>
+            <a:off x="3884613" y="8685213"/>
+            <a:ext cx="2971800" cy="458787"/>
+          </a:xfrm>
+          <a:prstGeom prst="rect">
+            <a:avLst/>
+          </a:prstGeom>
+        </p:spPr>
+        <p:txBody>
+          <a:bodyPr vert="horz" lIns="91440" tIns="45720" rIns="91440" bIns="45720" rtlCol="0" anchor="b"/>
+          <a:lstStyle>
+            <a:lvl1pPr algn="r">
+              <a:defRPr sz="1200"/>
+            </a:lvl1pPr>
+          </a:lstStyle>
+          <a:p>
+            <a:fld id="{CE11B3DB-A59E-4F66-8997-121B2EF9D332}" type="slidenum">
+              <a:rPr lang="zh-TW" altLang="en-US" smtClean="0"/>
+              <a:t>‹#›</a:t>
+            </a:fld>
+            <a:endParaRPr lang="zh-TW" altLang="en-US"/>
+          </a:p>
+        </p:txBody>
+      </p:sp>
+    </p:spTree>
+    <p:extLst>
+      <p:ext uri="{BB962C8B-B14F-4D97-AF65-F5344CB8AC3E}">
+        <p14:creationId xmlns:p14="http://schemas.microsoft.com/office/powerpoint/2010/main" val="3384961384"/>
+      </p:ext>
+    </p:extLst>
+  </p:cSld>
+  <p:clrMap bg1="lt1" tx1="dk1" bg2="lt2" tx2="dk2" accent1="accent1" accent2="accent2" accent3="accent3" accent4="accent4" accent5="accent5" accent6="accent6" hlink="hlink" folHlink="folHlink"/>
+  <p:notesStyle>
+    <a:lvl1pPr marL="0" algn="l" defTabSz="914400" rtl="0" eaLnBrk="1" latinLnBrk="0" hangingPunct="1">
+      <a:defRPr sz="1200" kern="1200">
+        <a:solidFill>
+          <a:schemeClr val="tx1"/>
+        </a:solidFill>
+        <a:latin typeface="+mn-lt"/>
+        <a:ea typeface="+mn-ea"/>
+        <a:cs typeface="+mn-cs"/>
+      </a:defRPr>
+    </a:lvl1pPr>
+    <a:lvl2pPr marL="457200" algn="l" defTabSz="914400" rtl="0" eaLnBrk="1" latinLnBrk="0" hangingPunct="1">
+      <a:defRPr sz="1200" kern="1200">
+        <a:solidFill>
+          <a:schemeClr val="tx1"/>
+        </a:solidFill>
+        <a:latin typeface="+mn-lt"/>
+        <a:ea typeface="+mn-ea"/>
+        <a:cs typeface="+mn-cs"/>
+      </a:defRPr>
+    </a:lvl2pPr>
+    <a:lvl3pPr marL="914400" algn="l" defTabSz="914400" rtl="0" eaLnBrk="1" latinLnBrk="0" hangingPunct="1">
+      <a:defRPr sz="1200" kern="1200">
+        <a:solidFill>
+          <a:schemeClr val="tx1"/>
+        </a:solidFill>
+        <a:latin typeface="+mn-lt"/>
+        <a:ea typeface="+mn-ea"/>
+        <a:cs typeface="+mn-cs"/>
+      </a:defRPr>
+    </a:lvl3pPr>
+    <a:lvl4pPr marL="1371600" algn="l" defTabSz="914400" rtl="0" eaLnBrk="1" latinLnBrk="0" hangingPunct="1">
+      <a:defRPr sz="1200" kern="1200">
+        <a:solidFill>
+          <a:schemeClr val="tx1"/>
+        </a:solidFill>
+        <a:latin typeface="+mn-lt"/>
+        <a:ea typeface="+mn-ea"/>
+        <a:cs typeface="+mn-cs"/>
+      </a:defRPr>
+    </a:lvl4pPr>
+    <a:lvl5pPr marL="1828800" algn="l" defTabSz="914400" rtl="0" eaLnBrk="1" latinLnBrk="0" hangingPunct="1">
+      <a:defRPr sz="1200" kern="1200">
+        <a:solidFill>
+          <a:schemeClr val="tx1"/>
+        </a:solidFill>
+        <a:latin typeface="+mn-lt"/>
+        <a:ea typeface="+mn-ea"/>
+        <a:cs typeface="+mn-cs"/>
+      </a:defRPr>
+    </a:lvl5pPr>
+    <a:lvl6pPr marL="2286000" algn="l" defTabSz="914400" rtl="0" eaLnBrk="1" latinLnBrk="0" hangingPunct="1">
+      <a:defRPr sz="1200" kern="1200">
+        <a:solidFill>
+          <a:schemeClr val="tx1"/>
+        </a:solidFill>
+        <a:latin typeface="+mn-lt"/>
+        <a:ea typeface="+mn-ea"/>
+        <a:cs typeface="+mn-cs"/>
+      </a:defRPr>
+    </a:lvl6pPr>
+    <a:lvl7pPr marL="2743200" algn="l" defTabSz="914400" rtl="0" eaLnBrk="1" latinLnBrk="0" hangingPunct="1">
+      <a:defRPr sz="1200" kern="1200">
+        <a:solidFill>
+          <a:schemeClr val="tx1"/>
+        </a:solidFill>
+        <a:latin typeface="+mn-lt"/>
+        <a:ea typeface="+mn-ea"/>
+        <a:cs typeface="+mn-cs"/>
+      </a:defRPr>
+    </a:lvl7pPr>
+    <a:lvl8pPr marL="3200400" algn="l" defTabSz="914400" rtl="0" eaLnBrk="1" latinLnBrk="0" hangingPunct="1">
+      <a:defRPr sz="1200" kern="1200">
+        <a:solidFill>
+          <a:schemeClr val="tx1"/>
+        </a:solidFill>
+        <a:latin typeface="+mn-lt"/>
+        <a:ea typeface="+mn-ea"/>
+        <a:cs typeface="+mn-cs"/>
+      </a:defRPr>
+    </a:lvl8pPr>
+    <a:lvl9pPr marL="3657600" algn="l" defTabSz="914400" rtl="0" eaLnBrk="1" latinLnBrk="0" hangingPunct="1">
+      <a:defRPr sz="1200" kern="1200">
+        <a:solidFill>
+          <a:schemeClr val="tx1"/>
+        </a:solidFill>
+        <a:latin typeface="+mn-lt"/>
+        <a:ea typeface="+mn-ea"/>
+        <a:cs typeface="+mn-cs"/>
+      </a:defRPr>
+    </a:lvl9pPr>
+  </p:notesStyle>
+</p:notesMaster>
+</file>
+
+<file path=ppt/notesSlides/notesSlide1.xml><?xml version="1.0" encoding="utf-8"?>
+<p:notes xmlns:a="http://schemas.openxmlformats.org/drawingml/2006/main" xmlns:r="http://schemas.openxmlformats.org/officeDocument/2006/relationships" xmlns:p="http://schemas.openxmlformats.org/presentationml/2006/main">
+  <p:cSld>
+    <p:spTree>
+      <p:nvGrpSpPr>
+        <p:cNvPr id="1" name=""/>
+        <p:cNvGrpSpPr/>
+        <p:nvPr/>
+      </p:nvGrpSpPr>
+      <p:grpSpPr>
+        <a:xfrm>
+          <a:off x="0" y="0"/>
+          <a:ext cx="0" cy="0"/>
+          <a:chOff x="0" y="0"/>
+          <a:chExt cx="0" cy="0"/>
+        </a:xfrm>
+      </p:grpSpPr>
+      <p:sp>
+        <p:nvSpPr>
+          <p:cNvPr id="2" name="投影片影像版面配置區 1"/>
+          <p:cNvSpPr>
+            <a:spLocks noGrp="1" noRot="1" noChangeAspect="1"/>
+          </p:cNvSpPr>
+          <p:nvPr>
+            <p:ph type="sldImg"/>
+          </p:nvPr>
+        </p:nvSpPr>
+        <p:spPr/>
+      </p:sp>
+      <p:sp>
+        <p:nvSpPr>
+          <p:cNvPr id="3" name="備忘稿版面配置區 2"/>
+          <p:cNvSpPr>
+            <a:spLocks noGrp="1"/>
+          </p:cNvSpPr>
+          <p:nvPr>
+            <p:ph type="body" idx="1"/>
+          </p:nvPr>
+        </p:nvSpPr>
+        <p:spPr/>
+        <p:txBody>
+          <a:bodyPr/>
+          <a:lstStyle/>
+          <a:p>
+            <a:r>
+              <a:rPr lang="zh-TW" altLang="en-US"/>
+              <a:t>我是一名高中生的年輕冒險家，我聽聞古老的傳說，說叢林裡有一座被詛咒的神廟，裡面藏有無盡的財寶。我決心尋找這個神秘的地方。</a:t>
+            </a:r>
+            <a:endParaRPr lang="zh-TW" altLang="en-US" dirty="0"/>
+          </a:p>
+        </p:txBody>
+      </p:sp>
+      <p:sp>
+        <p:nvSpPr>
+          <p:cNvPr id="4" name="投影片編號版面配置區 3"/>
+          <p:cNvSpPr>
+            <a:spLocks noGrp="1"/>
+          </p:cNvSpPr>
+          <p:nvPr>
+            <p:ph type="sldNum" sz="quarter" idx="5"/>
+          </p:nvPr>
+        </p:nvSpPr>
+        <p:spPr/>
+        <p:txBody>
+          <a:bodyPr/>
+          <a:lstStyle/>
+          <a:p>
+            <a:fld id="{CE11B3DB-A59E-4F66-8997-121B2EF9D332}" type="slidenum">
+              <a:rPr lang="zh-TW" altLang="en-US" smtClean="0"/>
+              <a:t>2</a:t>
+            </a:fld>
+            <a:endParaRPr lang="zh-TW" altLang="en-US"/>
+          </a:p>
+        </p:txBody>
+      </p:sp>
+    </p:spTree>
+    <p:extLst>
+      <p:ext uri="{BB962C8B-B14F-4D97-AF65-F5344CB8AC3E}">
+        <p14:creationId xmlns:p14="http://schemas.microsoft.com/office/powerpoint/2010/main" val="1177569954"/>
+      </p:ext>
+    </p:extLst>
+  </p:cSld>
+  <p:clrMapOvr>
+    <a:masterClrMapping/>
+  </p:clrMapOvr>
+</p:notes>
+</file>
+
+<file path=ppt/notesSlides/notesSlide2.xml><?xml version="1.0" encoding="utf-8"?>
+<p:notes xmlns:a="http://schemas.openxmlformats.org/drawingml/2006/main" xmlns:r="http://schemas.openxmlformats.org/officeDocument/2006/relationships" xmlns:p="http://schemas.openxmlformats.org/presentationml/2006/main">
+  <p:cSld>
+    <p:spTree>
+      <p:nvGrpSpPr>
+        <p:cNvPr id="1" name=""/>
+        <p:cNvGrpSpPr/>
+        <p:nvPr/>
+      </p:nvGrpSpPr>
+      <p:grpSpPr>
+        <a:xfrm>
+          <a:off x="0" y="0"/>
+          <a:ext cx="0" cy="0"/>
+          <a:chOff x="0" y="0"/>
+          <a:chExt cx="0" cy="0"/>
+        </a:xfrm>
+      </p:grpSpPr>
+      <p:sp>
+        <p:nvSpPr>
+          <p:cNvPr id="2" name="投影片影像版面配置區 1"/>
+          <p:cNvSpPr>
+            <a:spLocks noGrp="1" noRot="1" noChangeAspect="1"/>
+          </p:cNvSpPr>
+          <p:nvPr>
+            <p:ph type="sldImg"/>
+          </p:nvPr>
+        </p:nvSpPr>
+        <p:spPr/>
+      </p:sp>
+      <p:sp>
+        <p:nvSpPr>
+          <p:cNvPr id="3" name="備忘稿版面配置區 2"/>
+          <p:cNvSpPr>
+            <a:spLocks noGrp="1"/>
+          </p:cNvSpPr>
+          <p:nvPr>
+            <p:ph type="body" idx="1"/>
+          </p:nvPr>
+        </p:nvSpPr>
+        <p:spPr/>
+        <p:txBody>
+          <a:bodyPr/>
+          <a:lstStyle/>
+          <a:p>
+            <a:r>
+              <a:rPr lang="zh-TW" altLang="en-US" dirty="0"/>
+              <a:t>一路上，我經歷了毒蛇的襲擊、陷阱的考驗和激流的挑戰</a:t>
+            </a:r>
+          </a:p>
+        </p:txBody>
+      </p:sp>
+      <p:sp>
+        <p:nvSpPr>
+          <p:cNvPr id="4" name="投影片編號版面配置區 3"/>
+          <p:cNvSpPr>
+            <a:spLocks noGrp="1"/>
+          </p:cNvSpPr>
+          <p:nvPr>
+            <p:ph type="sldNum" sz="quarter" idx="5"/>
+          </p:nvPr>
+        </p:nvSpPr>
+        <p:spPr/>
+        <p:txBody>
+          <a:bodyPr/>
+          <a:lstStyle/>
+          <a:p>
+            <a:fld id="{CE11B3DB-A59E-4F66-8997-121B2EF9D332}" type="slidenum">
+              <a:rPr lang="zh-TW" altLang="en-US" smtClean="0"/>
+              <a:t>3</a:t>
+            </a:fld>
+            <a:endParaRPr lang="zh-TW" altLang="en-US"/>
+          </a:p>
+        </p:txBody>
+      </p:sp>
+    </p:spTree>
+    <p:extLst>
+      <p:ext uri="{BB962C8B-B14F-4D97-AF65-F5344CB8AC3E}">
+        <p14:creationId xmlns:p14="http://schemas.microsoft.com/office/powerpoint/2010/main" val="2463935714"/>
+      </p:ext>
+    </p:extLst>
+  </p:cSld>
+  <p:clrMapOvr>
+    <a:masterClrMapping/>
+  </p:clrMapOvr>
+</p:notes>
+</file>
+
+<file path=ppt/notesSlides/notesSlide3.xml><?xml version="1.0" encoding="utf-8"?>
+<p:notes xmlns:a="http://schemas.openxmlformats.org/drawingml/2006/main" xmlns:r="http://schemas.openxmlformats.org/officeDocument/2006/relationships" xmlns:p="http://schemas.openxmlformats.org/presentationml/2006/main">
+  <p:cSld>
+    <p:spTree>
+      <p:nvGrpSpPr>
+        <p:cNvPr id="1" name=""/>
+        <p:cNvGrpSpPr/>
+        <p:nvPr/>
+      </p:nvGrpSpPr>
+      <p:grpSpPr>
+        <a:xfrm>
+          <a:off x="0" y="0"/>
+          <a:ext cx="0" cy="0"/>
+          <a:chOff x="0" y="0"/>
+          <a:chExt cx="0" cy="0"/>
+        </a:xfrm>
+      </p:grpSpPr>
+      <p:sp>
+        <p:nvSpPr>
+          <p:cNvPr id="2" name="投影片影像版面配置區 1"/>
+          <p:cNvSpPr>
+            <a:spLocks noGrp="1" noRot="1" noChangeAspect="1"/>
+          </p:cNvSpPr>
+          <p:nvPr>
+            <p:ph type="sldImg"/>
+          </p:nvPr>
+        </p:nvSpPr>
+        <p:spPr/>
+      </p:sp>
+      <p:sp>
+        <p:nvSpPr>
+          <p:cNvPr id="3" name="備忘稿版面配置區 2"/>
+          <p:cNvSpPr>
+            <a:spLocks noGrp="1"/>
+          </p:cNvSpPr>
+          <p:nvPr>
+            <p:ph type="body" idx="1"/>
+          </p:nvPr>
+        </p:nvSpPr>
+        <p:spPr/>
+        <p:txBody>
+          <a:bodyPr/>
+          <a:lstStyle/>
+          <a:p>
+            <a:r>
+              <a:rPr lang="zh-TW" altLang="en-US" dirty="0"/>
+              <a:t>我一邊學習課業，一邊鍛鍊身體，一邊查詢要去爬哪座山。</a:t>
+            </a:r>
+          </a:p>
+        </p:txBody>
+      </p:sp>
+      <p:sp>
+        <p:nvSpPr>
+          <p:cNvPr id="4" name="投影片編號版面配置區 3"/>
+          <p:cNvSpPr>
+            <a:spLocks noGrp="1"/>
+          </p:cNvSpPr>
+          <p:nvPr>
+            <p:ph type="sldNum" sz="quarter" idx="5"/>
+          </p:nvPr>
+        </p:nvSpPr>
+        <p:spPr/>
+        <p:txBody>
+          <a:bodyPr/>
+          <a:lstStyle/>
+          <a:p>
+            <a:fld id="{CE11B3DB-A59E-4F66-8997-121B2EF9D332}" type="slidenum">
+              <a:rPr lang="zh-TW" altLang="en-US" smtClean="0"/>
+              <a:t>4</a:t>
+            </a:fld>
+            <a:endParaRPr lang="zh-TW" altLang="en-US"/>
+          </a:p>
+        </p:txBody>
+      </p:sp>
+    </p:spTree>
+    <p:extLst>
+      <p:ext uri="{BB962C8B-B14F-4D97-AF65-F5344CB8AC3E}">
+        <p14:creationId xmlns:p14="http://schemas.microsoft.com/office/powerpoint/2010/main" val="3795851647"/>
+      </p:ext>
+    </p:extLst>
+  </p:cSld>
+  <p:clrMapOvr>
+    <a:masterClrMapping/>
+  </p:clrMapOvr>
+</p:notes>
+</file>
+
+<file path=ppt/notesSlides/notesSlide4.xml><?xml version="1.0" encoding="utf-8"?>
+<p:notes xmlns:a="http://schemas.openxmlformats.org/drawingml/2006/main" xmlns:r="http://schemas.openxmlformats.org/officeDocument/2006/relationships" xmlns:p="http://schemas.openxmlformats.org/presentationml/2006/main">
+  <p:cSld>
+    <p:spTree>
+      <p:nvGrpSpPr>
+        <p:cNvPr id="1" name=""/>
+        <p:cNvGrpSpPr/>
+        <p:nvPr/>
+      </p:nvGrpSpPr>
+      <p:grpSpPr>
+        <a:xfrm>
+          <a:off x="0" y="0"/>
+          <a:ext cx="0" cy="0"/>
+          <a:chOff x="0" y="0"/>
+          <a:chExt cx="0" cy="0"/>
+        </a:xfrm>
+      </p:grpSpPr>
+      <p:sp>
+        <p:nvSpPr>
+          <p:cNvPr id="2" name="投影片影像版面配置區 1"/>
+          <p:cNvSpPr>
+            <a:spLocks noGrp="1" noRot="1" noChangeAspect="1"/>
+          </p:cNvSpPr>
+          <p:nvPr>
+            <p:ph type="sldImg"/>
+          </p:nvPr>
+        </p:nvSpPr>
+        <p:spPr/>
+      </p:sp>
+      <p:sp>
+        <p:nvSpPr>
+          <p:cNvPr id="3" name="備忘稿版面配置區 2"/>
+          <p:cNvSpPr>
+            <a:spLocks noGrp="1"/>
+          </p:cNvSpPr>
+          <p:nvPr>
+            <p:ph type="body" idx="1"/>
+          </p:nvPr>
+        </p:nvSpPr>
+        <p:spPr/>
+        <p:txBody>
+          <a:bodyPr/>
+          <a:lstStyle/>
+          <a:p>
+            <a:r>
+              <a:rPr lang="zh-TW" altLang="en-US"/>
+              <a:t>終於，在一個月亮高掛的夜晚，我找到了神廟的大門。</a:t>
+            </a:r>
+            <a:endParaRPr lang="zh-TW" altLang="en-US" dirty="0"/>
+          </a:p>
+        </p:txBody>
+      </p:sp>
+      <p:sp>
+        <p:nvSpPr>
+          <p:cNvPr id="4" name="投影片編號版面配置區 3"/>
+          <p:cNvSpPr>
+            <a:spLocks noGrp="1"/>
+          </p:cNvSpPr>
+          <p:nvPr>
+            <p:ph type="sldNum" sz="quarter" idx="5"/>
+          </p:nvPr>
+        </p:nvSpPr>
+        <p:spPr/>
+        <p:txBody>
+          <a:bodyPr/>
+          <a:lstStyle/>
+          <a:p>
+            <a:fld id="{CE11B3DB-A59E-4F66-8997-121B2EF9D332}" type="slidenum">
+              <a:rPr lang="zh-TW" altLang="en-US" smtClean="0"/>
+              <a:t>5</a:t>
+            </a:fld>
+            <a:endParaRPr lang="zh-TW" altLang="en-US"/>
+          </a:p>
+        </p:txBody>
+      </p:sp>
+    </p:spTree>
+    <p:extLst>
+      <p:ext uri="{BB962C8B-B14F-4D97-AF65-F5344CB8AC3E}">
+        <p14:creationId xmlns:p14="http://schemas.microsoft.com/office/powerpoint/2010/main" val="2734602235"/>
+      </p:ext>
+    </p:extLst>
+  </p:cSld>
+  <p:clrMapOvr>
+    <a:masterClrMapping/>
+  </p:clrMapOvr>
+</p:notes>
+</file>
+
+<file path=ppt/notesSlides/notesSlide5.xml><?xml version="1.0" encoding="utf-8"?>
+<p:notes xmlns:a="http://schemas.openxmlformats.org/drawingml/2006/main" xmlns:r="http://schemas.openxmlformats.org/officeDocument/2006/relationships" xmlns:p="http://schemas.openxmlformats.org/presentationml/2006/main">
+  <p:cSld>
+    <p:spTree>
+      <p:nvGrpSpPr>
+        <p:cNvPr id="1" name=""/>
+        <p:cNvGrpSpPr/>
+        <p:nvPr/>
+      </p:nvGrpSpPr>
+      <p:grpSpPr>
+        <a:xfrm>
+          <a:off x="0" y="0"/>
+          <a:ext cx="0" cy="0"/>
+          <a:chOff x="0" y="0"/>
+          <a:chExt cx="0" cy="0"/>
+        </a:xfrm>
+      </p:grpSpPr>
+      <p:sp>
+        <p:nvSpPr>
+          <p:cNvPr id="2" name="投影片影像版面配置區 1"/>
+          <p:cNvSpPr>
+            <a:spLocks noGrp="1" noRot="1" noChangeAspect="1"/>
+          </p:cNvSpPr>
+          <p:nvPr>
+            <p:ph type="sldImg"/>
+          </p:nvPr>
+        </p:nvSpPr>
+        <p:spPr/>
+      </p:sp>
+      <p:sp>
+        <p:nvSpPr>
+          <p:cNvPr id="3" name="備忘稿版面配置區 2"/>
+          <p:cNvSpPr>
+            <a:spLocks noGrp="1"/>
+          </p:cNvSpPr>
+          <p:nvPr>
+            <p:ph type="body" idx="1"/>
+          </p:nvPr>
+        </p:nvSpPr>
+        <p:spPr/>
+        <p:txBody>
+          <a:bodyPr/>
+          <a:lstStyle/>
+          <a:p>
+            <a:r>
+              <a:rPr lang="zh-TW" altLang="en-US"/>
+              <a:t>然而，大門前站著一位看似友善的老人，警告我財寶的代價是失去自由。</a:t>
+            </a:r>
+            <a:endParaRPr lang="zh-TW" altLang="en-US" dirty="0"/>
+          </a:p>
+        </p:txBody>
+      </p:sp>
+      <p:sp>
+        <p:nvSpPr>
+          <p:cNvPr id="4" name="投影片編號版面配置區 3"/>
+          <p:cNvSpPr>
+            <a:spLocks noGrp="1"/>
+          </p:cNvSpPr>
+          <p:nvPr>
+            <p:ph type="sldNum" sz="quarter" idx="5"/>
+          </p:nvPr>
+        </p:nvSpPr>
+        <p:spPr/>
+        <p:txBody>
+          <a:bodyPr/>
+          <a:lstStyle/>
+          <a:p>
+            <a:fld id="{CE11B3DB-A59E-4F66-8997-121B2EF9D332}" type="slidenum">
+              <a:rPr lang="zh-TW" altLang="en-US" smtClean="0"/>
+              <a:t>6</a:t>
+            </a:fld>
+            <a:endParaRPr lang="zh-TW" altLang="en-US"/>
+          </a:p>
+        </p:txBody>
+      </p:sp>
+    </p:spTree>
+    <p:extLst>
+      <p:ext uri="{BB962C8B-B14F-4D97-AF65-F5344CB8AC3E}">
+        <p14:creationId xmlns:p14="http://schemas.microsoft.com/office/powerpoint/2010/main" val="3277228634"/>
+      </p:ext>
+    </p:extLst>
+  </p:cSld>
+  <p:clrMapOvr>
+    <a:masterClrMapping/>
+  </p:clrMapOvr>
+</p:notes>
+</file>
+
+<file path=ppt/notesSlides/notesSlide6.xml><?xml version="1.0" encoding="utf-8"?>
+<p:notes xmlns:a="http://schemas.openxmlformats.org/drawingml/2006/main" xmlns:r="http://schemas.openxmlformats.org/officeDocument/2006/relationships" xmlns:p="http://schemas.openxmlformats.org/presentationml/2006/main">
+  <p:cSld>
+    <p:spTree>
+      <p:nvGrpSpPr>
+        <p:cNvPr id="1" name=""/>
+        <p:cNvGrpSpPr/>
+        <p:nvPr/>
+      </p:nvGrpSpPr>
+      <p:grpSpPr>
+        <a:xfrm>
+          <a:off x="0" y="0"/>
+          <a:ext cx="0" cy="0"/>
+          <a:chOff x="0" y="0"/>
+          <a:chExt cx="0" cy="0"/>
+        </a:xfrm>
+      </p:grpSpPr>
+      <p:sp>
+        <p:nvSpPr>
+          <p:cNvPr id="2" name="投影片影像版面配置區 1"/>
+          <p:cNvSpPr>
+            <a:spLocks noGrp="1" noRot="1" noChangeAspect="1"/>
+          </p:cNvSpPr>
+          <p:nvPr>
+            <p:ph type="sldImg"/>
+          </p:nvPr>
+        </p:nvSpPr>
+        <p:spPr/>
+      </p:sp>
+      <p:sp>
+        <p:nvSpPr>
+          <p:cNvPr id="3" name="備忘稿版面配置區 2"/>
+          <p:cNvSpPr>
+            <a:spLocks noGrp="1"/>
+          </p:cNvSpPr>
+          <p:nvPr>
+            <p:ph type="body" idx="1"/>
+          </p:nvPr>
+        </p:nvSpPr>
+        <p:spPr/>
+        <p:txBody>
+          <a:bodyPr/>
+          <a:lstStyle/>
+          <a:p>
+            <a:r>
+              <a:rPr lang="zh-TW" altLang="en-US" dirty="0"/>
+              <a:t>我無視警告，推開了厚重的石門，裡面金光閃耀。我不假思索地抓住了一件珍貴的項鍊，然而，神廟突然開始崩塌</a:t>
+            </a:r>
+          </a:p>
+        </p:txBody>
+      </p:sp>
+      <p:sp>
+        <p:nvSpPr>
+          <p:cNvPr id="4" name="投影片編號版面配置區 3"/>
+          <p:cNvSpPr>
+            <a:spLocks noGrp="1"/>
+          </p:cNvSpPr>
+          <p:nvPr>
+            <p:ph type="sldNum" sz="quarter" idx="5"/>
+          </p:nvPr>
+        </p:nvSpPr>
+        <p:spPr/>
+        <p:txBody>
+          <a:bodyPr/>
+          <a:lstStyle/>
+          <a:p>
+            <a:fld id="{CE11B3DB-A59E-4F66-8997-121B2EF9D332}" type="slidenum">
+              <a:rPr lang="zh-TW" altLang="en-US" smtClean="0"/>
+              <a:t>7</a:t>
+            </a:fld>
+            <a:endParaRPr lang="zh-TW" altLang="en-US"/>
+          </a:p>
+        </p:txBody>
+      </p:sp>
+    </p:spTree>
+    <p:extLst>
+      <p:ext uri="{BB962C8B-B14F-4D97-AF65-F5344CB8AC3E}">
+        <p14:creationId xmlns:p14="http://schemas.microsoft.com/office/powerpoint/2010/main" val="673360939"/>
+      </p:ext>
+    </p:extLst>
+  </p:cSld>
+  <p:clrMapOvr>
+    <a:masterClrMapping/>
+  </p:clrMapOvr>
+</p:notes>
+</file>
+
+<file path=ppt/notesSlides/notesSlide7.xml><?xml version="1.0" encoding="utf-8"?>
+<p:notes xmlns:a="http://schemas.openxmlformats.org/drawingml/2006/main" xmlns:r="http://schemas.openxmlformats.org/officeDocument/2006/relationships" xmlns:p="http://schemas.openxmlformats.org/presentationml/2006/main">
+  <p:cSld>
+    <p:spTree>
+      <p:nvGrpSpPr>
+        <p:cNvPr id="1" name=""/>
+        <p:cNvGrpSpPr/>
+        <p:nvPr/>
+      </p:nvGrpSpPr>
+      <p:grpSpPr>
+        <a:xfrm>
+          <a:off x="0" y="0"/>
+          <a:ext cx="0" cy="0"/>
+          <a:chOff x="0" y="0"/>
+          <a:chExt cx="0" cy="0"/>
+        </a:xfrm>
+      </p:grpSpPr>
+      <p:sp>
+        <p:nvSpPr>
+          <p:cNvPr id="2" name="投影片影像版面配置區 1"/>
+          <p:cNvSpPr>
+            <a:spLocks noGrp="1" noRot="1" noChangeAspect="1"/>
+          </p:cNvSpPr>
+          <p:nvPr>
+            <p:ph type="sldImg"/>
+          </p:nvPr>
+        </p:nvSpPr>
+        <p:spPr/>
+      </p:sp>
+      <p:sp>
+        <p:nvSpPr>
+          <p:cNvPr id="3" name="備忘稿版面配置區 2"/>
+          <p:cNvSpPr>
+            <a:spLocks noGrp="1"/>
+          </p:cNvSpPr>
+          <p:nvPr>
+            <p:ph type="body" idx="1"/>
+          </p:nvPr>
+        </p:nvSpPr>
+        <p:spPr/>
+        <p:txBody>
+          <a:bodyPr/>
+          <a:lstStyle/>
+          <a:p>
+            <a:r>
+              <a:rPr lang="zh-TW" altLang="en-US" dirty="0"/>
+              <a:t>我奮力逃生，在最後一刻逃出了倒塌的神廟。財寶雖未到手，但我對這場驚險的冒險永遠難忘，也學到了尊重古老傳說的智慧。</a:t>
+            </a:r>
+          </a:p>
+        </p:txBody>
+      </p:sp>
+      <p:sp>
+        <p:nvSpPr>
+          <p:cNvPr id="4" name="投影片編號版面配置區 3"/>
+          <p:cNvSpPr>
+            <a:spLocks noGrp="1"/>
+          </p:cNvSpPr>
+          <p:nvPr>
+            <p:ph type="sldNum" sz="quarter" idx="5"/>
+          </p:nvPr>
+        </p:nvSpPr>
+        <p:spPr/>
+        <p:txBody>
+          <a:bodyPr/>
+          <a:lstStyle/>
+          <a:p>
+            <a:fld id="{CE11B3DB-A59E-4F66-8997-121B2EF9D332}" type="slidenum">
+              <a:rPr lang="zh-TW" altLang="en-US" smtClean="0"/>
+              <a:t>8</a:t>
+            </a:fld>
+            <a:endParaRPr lang="zh-TW" altLang="en-US"/>
+          </a:p>
+        </p:txBody>
+      </p:sp>
+    </p:spTree>
+    <p:extLst>
+      <p:ext uri="{BB962C8B-B14F-4D97-AF65-F5344CB8AC3E}">
+        <p14:creationId xmlns:p14="http://schemas.microsoft.com/office/powerpoint/2010/main" val="3908300490"/>
+      </p:ext>
+    </p:extLst>
+  </p:cSld>
+  <p:clrMapOvr>
+    <a:masterClrMapping/>
+  </p:clrMapOvr>
+</p:notes>
 </file>
 
 <file path=ppt/slideLayouts/slideLayout1.xml><?xml version="1.0" encoding="utf-8"?>
@@ -126,13 +1102,7 @@
       </p:grpSpPr>
       <p:sp>
         <p:nvSpPr>
-          <p:cNvPr id="2" name="標題 1">
-            <a:extLst>
-              <a:ext uri="{FF2B5EF4-FFF2-40B4-BE49-F238E27FC236}">
-                <a16:creationId xmlns:a16="http://schemas.microsoft.com/office/drawing/2014/main" id="{EB5CC918-B447-434E-B98E-5847BB49C259}"/>
-              </a:ext>
-            </a:extLst>
-          </p:cNvPr>
+          <p:cNvPr id="2" name="Title 1"/>
           <p:cNvSpPr>
             <a:spLocks noGrp="1"/>
           </p:cNvSpPr>
@@ -158,18 +1128,13 @@
               <a:rPr lang="zh-TW" altLang="en-US"/>
               <a:t>按一下以編輯母片標題樣式</a:t>
             </a:r>
-          </a:p>
-        </p:txBody>
-      </p:sp>
-      <p:sp>
-        <p:nvSpPr>
-          <p:cNvPr id="3" name="副標題 2">
-            <a:extLst>
-              <a:ext uri="{FF2B5EF4-FFF2-40B4-BE49-F238E27FC236}">
-                <a16:creationId xmlns:a16="http://schemas.microsoft.com/office/drawing/2014/main" id="{817FCC70-CC4E-4CB6-B2CF-9FDA5AC4D346}"/>
-              </a:ext>
-            </a:extLst>
-          </p:cNvPr>
+            <a:endParaRPr lang="en-US" dirty="0"/>
+          </a:p>
+        </p:txBody>
+      </p:sp>
+      <p:sp>
+        <p:nvSpPr>
+          <p:cNvPr id="3" name="Subtitle 2"/>
           <p:cNvSpPr>
             <a:spLocks noGrp="1"/>
           </p:cNvSpPr>
@@ -228,18 +1193,13 @@
               <a:rPr lang="zh-TW" altLang="en-US"/>
               <a:t>按一下以編輯母片子標題樣式</a:t>
             </a:r>
-          </a:p>
-        </p:txBody>
-      </p:sp>
-      <p:sp>
-        <p:nvSpPr>
-          <p:cNvPr id="4" name="日期版面配置區 3">
-            <a:extLst>
-              <a:ext uri="{FF2B5EF4-FFF2-40B4-BE49-F238E27FC236}">
-                <a16:creationId xmlns:a16="http://schemas.microsoft.com/office/drawing/2014/main" id="{BD08F018-0004-4322-AD0F-E6E740964233}"/>
-              </a:ext>
-            </a:extLst>
-          </p:cNvPr>
+            <a:endParaRPr lang="en-US" dirty="0"/>
+          </a:p>
+        </p:txBody>
+      </p:sp>
+      <p:sp>
+        <p:nvSpPr>
+          <p:cNvPr id="4" name="Date Placeholder 3"/>
           <p:cNvSpPr>
             <a:spLocks noGrp="1"/>
           </p:cNvSpPr>
@@ -252,9 +1212,9 @@
           <a:bodyPr/>
           <a:lstStyle/>
           <a:p>
-            <a:fld id="{C3C90D7E-32D6-4894-AE08-7BBB3E610FC9}" type="datetimeFigureOut">
+            <a:fld id="{036F04D6-BFFA-4BED-806D-3290E51D8392}" type="datetimeFigureOut">
               <a:rPr lang="zh-TW" altLang="en-US" smtClean="0"/>
-              <a:t>2024/9/16</a:t>
+              <a:t>2024/10/21</a:t>
             </a:fld>
             <a:endParaRPr lang="zh-TW" altLang="en-US"/>
           </a:p>
@@ -262,13 +1222,7 @@
       </p:sp>
       <p:sp>
         <p:nvSpPr>
-          <p:cNvPr id="5" name="頁尾版面配置區 4">
-            <a:extLst>
-              <a:ext uri="{FF2B5EF4-FFF2-40B4-BE49-F238E27FC236}">
-                <a16:creationId xmlns:a16="http://schemas.microsoft.com/office/drawing/2014/main" id="{30427B34-CB13-41C7-B2F2-CED9BDC5B595}"/>
-              </a:ext>
-            </a:extLst>
-          </p:cNvPr>
+          <p:cNvPr id="5" name="Footer Placeholder 4"/>
           <p:cNvSpPr>
             <a:spLocks noGrp="1"/>
           </p:cNvSpPr>
@@ -287,13 +1241,7 @@
       </p:sp>
       <p:sp>
         <p:nvSpPr>
-          <p:cNvPr id="6" name="投影片編號版面配置區 5">
-            <a:extLst>
-              <a:ext uri="{FF2B5EF4-FFF2-40B4-BE49-F238E27FC236}">
-                <a16:creationId xmlns:a16="http://schemas.microsoft.com/office/drawing/2014/main" id="{76FA962E-5B03-439A-928C-87366876542D}"/>
-              </a:ext>
-            </a:extLst>
-          </p:cNvPr>
+          <p:cNvPr id="6" name="Slide Number Placeholder 5"/>
           <p:cNvSpPr>
             <a:spLocks noGrp="1"/>
           </p:cNvSpPr>
@@ -306,7 +1254,7 @@
           <a:bodyPr/>
           <a:lstStyle/>
           <a:p>
-            <a:fld id="{E31EC408-072F-4346-BD0A-D6AA5788A305}" type="slidenum">
+            <a:fld id="{624E4846-6CF2-4C57-95EB-1C536F24A66A}" type="slidenum">
               <a:rPr lang="zh-TW" altLang="en-US" smtClean="0"/>
               <a:t>‹#›</a:t>
             </a:fld>
@@ -317,7 +1265,7 @@
     </p:spTree>
     <p:extLst>
       <p:ext uri="{BB962C8B-B14F-4D97-AF65-F5344CB8AC3E}">
-        <p14:creationId xmlns:p14="http://schemas.microsoft.com/office/powerpoint/2010/main" val="2963035110"/>
+        <p14:creationId xmlns:p14="http://schemas.microsoft.com/office/powerpoint/2010/main" val="1644440628"/>
       </p:ext>
     </p:extLst>
   </p:cSld>
@@ -346,13 +1294,7 @@
       </p:grpSpPr>
       <p:sp>
         <p:nvSpPr>
-          <p:cNvPr id="2" name="標題 1">
-            <a:extLst>
-              <a:ext uri="{FF2B5EF4-FFF2-40B4-BE49-F238E27FC236}">
-                <a16:creationId xmlns:a16="http://schemas.microsoft.com/office/drawing/2014/main" id="{A02F0018-7F8E-4206-A929-07CDC6B5F34A}"/>
-              </a:ext>
-            </a:extLst>
-          </p:cNvPr>
+          <p:cNvPr id="2" name="Title 1"/>
           <p:cNvSpPr>
             <a:spLocks noGrp="1"/>
           </p:cNvSpPr>
@@ -369,18 +1311,13 @@
               <a:rPr lang="zh-TW" altLang="en-US"/>
               <a:t>按一下以編輯母片標題樣式</a:t>
             </a:r>
-          </a:p>
-        </p:txBody>
-      </p:sp>
-      <p:sp>
-        <p:nvSpPr>
-          <p:cNvPr id="3" name="直排文字版面配置區 2">
-            <a:extLst>
-              <a:ext uri="{FF2B5EF4-FFF2-40B4-BE49-F238E27FC236}">
-                <a16:creationId xmlns:a16="http://schemas.microsoft.com/office/drawing/2014/main" id="{9B801E88-34C3-4545-A358-81F5614FED64}"/>
-              </a:ext>
-            </a:extLst>
-          </p:cNvPr>
+            <a:endParaRPr lang="en-US" dirty="0"/>
+          </a:p>
+        </p:txBody>
+      </p:sp>
+      <p:sp>
+        <p:nvSpPr>
+          <p:cNvPr id="3" name="Vertical Text Placeholder 2"/>
           <p:cNvSpPr>
             <a:spLocks noGrp="1"/>
           </p:cNvSpPr>
@@ -426,18 +1363,13 @@
               <a:rPr lang="zh-TW" altLang="en-US"/>
               <a:t>第五層</a:t>
             </a:r>
-          </a:p>
-        </p:txBody>
-      </p:sp>
-      <p:sp>
-        <p:nvSpPr>
-          <p:cNvPr id="4" name="日期版面配置區 3">
-            <a:extLst>
-              <a:ext uri="{FF2B5EF4-FFF2-40B4-BE49-F238E27FC236}">
-                <a16:creationId xmlns:a16="http://schemas.microsoft.com/office/drawing/2014/main" id="{60AFD716-8B99-4230-B55F-C8B88ECBB171}"/>
-              </a:ext>
-            </a:extLst>
-          </p:cNvPr>
+            <a:endParaRPr lang="en-US" dirty="0"/>
+          </a:p>
+        </p:txBody>
+      </p:sp>
+      <p:sp>
+        <p:nvSpPr>
+          <p:cNvPr id="4" name="Date Placeholder 3"/>
           <p:cNvSpPr>
             <a:spLocks noGrp="1"/>
           </p:cNvSpPr>
@@ -450,9 +1382,9 @@
           <a:bodyPr/>
           <a:lstStyle/>
           <a:p>
-            <a:fld id="{C3C90D7E-32D6-4894-AE08-7BBB3E610FC9}" type="datetimeFigureOut">
+            <a:fld id="{036F04D6-BFFA-4BED-806D-3290E51D8392}" type="datetimeFigureOut">
               <a:rPr lang="zh-TW" altLang="en-US" smtClean="0"/>
-              <a:t>2024/9/16</a:t>
+              <a:t>2024/10/21</a:t>
             </a:fld>
             <a:endParaRPr lang="zh-TW" altLang="en-US"/>
           </a:p>
@@ -460,13 +1392,7 @@
       </p:sp>
       <p:sp>
         <p:nvSpPr>
-          <p:cNvPr id="5" name="頁尾版面配置區 4">
-            <a:extLst>
-              <a:ext uri="{FF2B5EF4-FFF2-40B4-BE49-F238E27FC236}">
-                <a16:creationId xmlns:a16="http://schemas.microsoft.com/office/drawing/2014/main" id="{EA374743-76D9-4BF8-A60C-2F50B2636A8A}"/>
-              </a:ext>
-            </a:extLst>
-          </p:cNvPr>
+          <p:cNvPr id="5" name="Footer Placeholder 4"/>
           <p:cNvSpPr>
             <a:spLocks noGrp="1"/>
           </p:cNvSpPr>
@@ -485,13 +1411,7 @@
       </p:sp>
       <p:sp>
         <p:nvSpPr>
-          <p:cNvPr id="6" name="投影片編號版面配置區 5">
-            <a:extLst>
-              <a:ext uri="{FF2B5EF4-FFF2-40B4-BE49-F238E27FC236}">
-                <a16:creationId xmlns:a16="http://schemas.microsoft.com/office/drawing/2014/main" id="{00454594-6C11-4013-A666-A151E960EC9B}"/>
-              </a:ext>
-            </a:extLst>
-          </p:cNvPr>
+          <p:cNvPr id="6" name="Slide Number Placeholder 5"/>
           <p:cNvSpPr>
             <a:spLocks noGrp="1"/>
           </p:cNvSpPr>
@@ -504,7 +1424,7 @@
           <a:bodyPr/>
           <a:lstStyle/>
           <a:p>
-            <a:fld id="{E31EC408-072F-4346-BD0A-D6AA5788A305}" type="slidenum">
+            <a:fld id="{624E4846-6CF2-4C57-95EB-1C536F24A66A}" type="slidenum">
               <a:rPr lang="zh-TW" altLang="en-US" smtClean="0"/>
               <a:t>‹#›</a:t>
             </a:fld>
@@ -515,7 +1435,7 @@
     </p:spTree>
     <p:extLst>
       <p:ext uri="{BB962C8B-B14F-4D97-AF65-F5344CB8AC3E}">
-        <p14:creationId xmlns:p14="http://schemas.microsoft.com/office/powerpoint/2010/main" val="188953001"/>
+        <p14:creationId xmlns:p14="http://schemas.microsoft.com/office/powerpoint/2010/main" val="1733374678"/>
       </p:ext>
     </p:extLst>
   </p:cSld>
@@ -544,13 +1464,7 @@
       </p:grpSpPr>
       <p:sp>
         <p:nvSpPr>
-          <p:cNvPr id="2" name="直排標題 1">
-            <a:extLst>
-              <a:ext uri="{FF2B5EF4-FFF2-40B4-BE49-F238E27FC236}">
-                <a16:creationId xmlns:a16="http://schemas.microsoft.com/office/drawing/2014/main" id="{70F760AC-E708-4605-85E2-7D0F424B3E29}"/>
-              </a:ext>
-            </a:extLst>
-          </p:cNvPr>
+          <p:cNvPr id="2" name="Vertical Title 1"/>
           <p:cNvSpPr>
             <a:spLocks noGrp="1"/>
           </p:cNvSpPr>
@@ -572,18 +1486,13 @@
               <a:rPr lang="zh-TW" altLang="en-US"/>
               <a:t>按一下以編輯母片標題樣式</a:t>
             </a:r>
-          </a:p>
-        </p:txBody>
-      </p:sp>
-      <p:sp>
-        <p:nvSpPr>
-          <p:cNvPr id="3" name="直排文字版面配置區 2">
-            <a:extLst>
-              <a:ext uri="{FF2B5EF4-FFF2-40B4-BE49-F238E27FC236}">
-                <a16:creationId xmlns:a16="http://schemas.microsoft.com/office/drawing/2014/main" id="{84BECF48-F3B6-4D47-82A8-C6AE92EDC2F0}"/>
-              </a:ext>
-            </a:extLst>
-          </p:cNvPr>
+            <a:endParaRPr lang="en-US" dirty="0"/>
+          </a:p>
+        </p:txBody>
+      </p:sp>
+      <p:sp>
+        <p:nvSpPr>
+          <p:cNvPr id="3" name="Vertical Text Placeholder 2"/>
           <p:cNvSpPr>
             <a:spLocks noGrp="1"/>
           </p:cNvSpPr>
@@ -634,18 +1543,13 @@
               <a:rPr lang="zh-TW" altLang="en-US"/>
               <a:t>第五層</a:t>
             </a:r>
-          </a:p>
-        </p:txBody>
-      </p:sp>
-      <p:sp>
-        <p:nvSpPr>
-          <p:cNvPr id="4" name="日期版面配置區 3">
-            <a:extLst>
-              <a:ext uri="{FF2B5EF4-FFF2-40B4-BE49-F238E27FC236}">
-                <a16:creationId xmlns:a16="http://schemas.microsoft.com/office/drawing/2014/main" id="{215DE52A-093E-4116-A2FE-F61BA999B89F}"/>
-              </a:ext>
-            </a:extLst>
-          </p:cNvPr>
+            <a:endParaRPr lang="en-US" dirty="0"/>
+          </a:p>
+        </p:txBody>
+      </p:sp>
+      <p:sp>
+        <p:nvSpPr>
+          <p:cNvPr id="4" name="Date Placeholder 3"/>
           <p:cNvSpPr>
             <a:spLocks noGrp="1"/>
           </p:cNvSpPr>
@@ -658,9 +1562,9 @@
           <a:bodyPr/>
           <a:lstStyle/>
           <a:p>
-            <a:fld id="{C3C90D7E-32D6-4894-AE08-7BBB3E610FC9}" type="datetimeFigureOut">
+            <a:fld id="{036F04D6-BFFA-4BED-806D-3290E51D8392}" type="datetimeFigureOut">
               <a:rPr lang="zh-TW" altLang="en-US" smtClean="0"/>
-              <a:t>2024/9/16</a:t>
+              <a:t>2024/10/21</a:t>
             </a:fld>
             <a:endParaRPr lang="zh-TW" altLang="en-US"/>
           </a:p>
@@ -668,13 +1572,7 @@
       </p:sp>
       <p:sp>
         <p:nvSpPr>
-          <p:cNvPr id="5" name="頁尾版面配置區 4">
-            <a:extLst>
-              <a:ext uri="{FF2B5EF4-FFF2-40B4-BE49-F238E27FC236}">
-                <a16:creationId xmlns:a16="http://schemas.microsoft.com/office/drawing/2014/main" id="{34553FE1-A5D9-4070-AA9C-378F491D4677}"/>
-              </a:ext>
-            </a:extLst>
-          </p:cNvPr>
+          <p:cNvPr id="5" name="Footer Placeholder 4"/>
           <p:cNvSpPr>
             <a:spLocks noGrp="1"/>
           </p:cNvSpPr>
@@ -693,13 +1591,7 @@
       </p:sp>
       <p:sp>
         <p:nvSpPr>
-          <p:cNvPr id="6" name="投影片編號版面配置區 5">
-            <a:extLst>
-              <a:ext uri="{FF2B5EF4-FFF2-40B4-BE49-F238E27FC236}">
-                <a16:creationId xmlns:a16="http://schemas.microsoft.com/office/drawing/2014/main" id="{928EFDDC-5B11-4543-8144-518625EDA57F}"/>
-              </a:ext>
-            </a:extLst>
-          </p:cNvPr>
+          <p:cNvPr id="6" name="Slide Number Placeholder 5"/>
           <p:cNvSpPr>
             <a:spLocks noGrp="1"/>
           </p:cNvSpPr>
@@ -712,7 +1604,7 @@
           <a:bodyPr/>
           <a:lstStyle/>
           <a:p>
-            <a:fld id="{E31EC408-072F-4346-BD0A-D6AA5788A305}" type="slidenum">
+            <a:fld id="{624E4846-6CF2-4C57-95EB-1C536F24A66A}" type="slidenum">
               <a:rPr lang="zh-TW" altLang="en-US" smtClean="0"/>
               <a:t>‹#›</a:t>
             </a:fld>
@@ -723,7 +1615,7 @@
     </p:spTree>
     <p:extLst>
       <p:ext uri="{BB962C8B-B14F-4D97-AF65-F5344CB8AC3E}">
-        <p14:creationId xmlns:p14="http://schemas.microsoft.com/office/powerpoint/2010/main" val="2483123943"/>
+        <p14:creationId xmlns:p14="http://schemas.microsoft.com/office/powerpoint/2010/main" val="4080752608"/>
       </p:ext>
     </p:extLst>
   </p:cSld>
@@ -752,13 +1644,7 @@
       </p:grpSpPr>
       <p:sp>
         <p:nvSpPr>
-          <p:cNvPr id="2" name="標題 1">
-            <a:extLst>
-              <a:ext uri="{FF2B5EF4-FFF2-40B4-BE49-F238E27FC236}">
-                <a16:creationId xmlns:a16="http://schemas.microsoft.com/office/drawing/2014/main" id="{A1BFCF4C-FB58-444C-B754-A594851E4C7B}"/>
-              </a:ext>
-            </a:extLst>
-          </p:cNvPr>
+          <p:cNvPr id="2" name="Title 1"/>
           <p:cNvSpPr>
             <a:spLocks noGrp="1"/>
           </p:cNvSpPr>
@@ -775,18 +1661,13 @@
               <a:rPr lang="zh-TW" altLang="en-US"/>
               <a:t>按一下以編輯母片標題樣式</a:t>
             </a:r>
-          </a:p>
-        </p:txBody>
-      </p:sp>
-      <p:sp>
-        <p:nvSpPr>
-          <p:cNvPr id="3" name="內容版面配置區 2">
-            <a:extLst>
-              <a:ext uri="{FF2B5EF4-FFF2-40B4-BE49-F238E27FC236}">
-                <a16:creationId xmlns:a16="http://schemas.microsoft.com/office/drawing/2014/main" id="{987C475D-648F-4511-A6FE-04B04F755F93}"/>
-              </a:ext>
-            </a:extLst>
-          </p:cNvPr>
+            <a:endParaRPr lang="en-US" dirty="0"/>
+          </a:p>
+        </p:txBody>
+      </p:sp>
+      <p:sp>
+        <p:nvSpPr>
+          <p:cNvPr id="3" name="Content Placeholder 2"/>
           <p:cNvSpPr>
             <a:spLocks noGrp="1"/>
           </p:cNvSpPr>
@@ -832,18 +1713,13 @@
               <a:rPr lang="zh-TW" altLang="en-US"/>
               <a:t>第五層</a:t>
             </a:r>
-          </a:p>
-        </p:txBody>
-      </p:sp>
-      <p:sp>
-        <p:nvSpPr>
-          <p:cNvPr id="4" name="日期版面配置區 3">
-            <a:extLst>
-              <a:ext uri="{FF2B5EF4-FFF2-40B4-BE49-F238E27FC236}">
-                <a16:creationId xmlns:a16="http://schemas.microsoft.com/office/drawing/2014/main" id="{F511FCF8-D8F7-4914-920F-D63F2D97F713}"/>
-              </a:ext>
-            </a:extLst>
-          </p:cNvPr>
+            <a:endParaRPr lang="en-US" dirty="0"/>
+          </a:p>
+        </p:txBody>
+      </p:sp>
+      <p:sp>
+        <p:nvSpPr>
+          <p:cNvPr id="4" name="Date Placeholder 3"/>
           <p:cNvSpPr>
             <a:spLocks noGrp="1"/>
           </p:cNvSpPr>
@@ -856,9 +1732,9 @@
           <a:bodyPr/>
           <a:lstStyle/>
           <a:p>
-            <a:fld id="{C3C90D7E-32D6-4894-AE08-7BBB3E610FC9}" type="datetimeFigureOut">
+            <a:fld id="{036F04D6-BFFA-4BED-806D-3290E51D8392}" type="datetimeFigureOut">
               <a:rPr lang="zh-TW" altLang="en-US" smtClean="0"/>
-              <a:t>2024/9/16</a:t>
+              <a:t>2024/10/21</a:t>
             </a:fld>
             <a:endParaRPr lang="zh-TW" altLang="en-US"/>
           </a:p>
@@ -866,13 +1742,7 @@
       </p:sp>
       <p:sp>
         <p:nvSpPr>
-          <p:cNvPr id="5" name="頁尾版面配置區 4">
-            <a:extLst>
-              <a:ext uri="{FF2B5EF4-FFF2-40B4-BE49-F238E27FC236}">
-                <a16:creationId xmlns:a16="http://schemas.microsoft.com/office/drawing/2014/main" id="{7E1D3E8F-338D-4B4D-B411-5282866FF95D}"/>
-              </a:ext>
-            </a:extLst>
-          </p:cNvPr>
+          <p:cNvPr id="5" name="Footer Placeholder 4"/>
           <p:cNvSpPr>
             <a:spLocks noGrp="1"/>
           </p:cNvSpPr>
@@ -891,13 +1761,7 @@
       </p:sp>
       <p:sp>
         <p:nvSpPr>
-          <p:cNvPr id="6" name="投影片編號版面配置區 5">
-            <a:extLst>
-              <a:ext uri="{FF2B5EF4-FFF2-40B4-BE49-F238E27FC236}">
-                <a16:creationId xmlns:a16="http://schemas.microsoft.com/office/drawing/2014/main" id="{F7DF3AD5-06B6-42D8-AEDF-66CCE6582524}"/>
-              </a:ext>
-            </a:extLst>
-          </p:cNvPr>
+          <p:cNvPr id="6" name="Slide Number Placeholder 5"/>
           <p:cNvSpPr>
             <a:spLocks noGrp="1"/>
           </p:cNvSpPr>
@@ -910,7 +1774,7 @@
           <a:bodyPr/>
           <a:lstStyle/>
           <a:p>
-            <a:fld id="{E31EC408-072F-4346-BD0A-D6AA5788A305}" type="slidenum">
+            <a:fld id="{624E4846-6CF2-4C57-95EB-1C536F24A66A}" type="slidenum">
               <a:rPr lang="zh-TW" altLang="en-US" smtClean="0"/>
               <a:t>‹#›</a:t>
             </a:fld>
@@ -921,7 +1785,7 @@
     </p:spTree>
     <p:extLst>
       <p:ext uri="{BB962C8B-B14F-4D97-AF65-F5344CB8AC3E}">
-        <p14:creationId xmlns:p14="http://schemas.microsoft.com/office/powerpoint/2010/main" val="4198509733"/>
+        <p14:creationId xmlns:p14="http://schemas.microsoft.com/office/powerpoint/2010/main" val="3561345754"/>
       </p:ext>
     </p:extLst>
   </p:cSld>
@@ -950,13 +1814,7 @@
       </p:grpSpPr>
       <p:sp>
         <p:nvSpPr>
-          <p:cNvPr id="2" name="標題 1">
-            <a:extLst>
-              <a:ext uri="{FF2B5EF4-FFF2-40B4-BE49-F238E27FC236}">
-                <a16:creationId xmlns:a16="http://schemas.microsoft.com/office/drawing/2014/main" id="{5986B870-2B24-4658-9AEB-3C92E8E40B41}"/>
-              </a:ext>
-            </a:extLst>
-          </p:cNvPr>
+          <p:cNvPr id="2" name="Title 1"/>
           <p:cNvSpPr>
             <a:spLocks noGrp="1"/>
           </p:cNvSpPr>
@@ -982,18 +1840,13 @@
               <a:rPr lang="zh-TW" altLang="en-US"/>
               <a:t>按一下以編輯母片標題樣式</a:t>
             </a:r>
-          </a:p>
-        </p:txBody>
-      </p:sp>
-      <p:sp>
-        <p:nvSpPr>
-          <p:cNvPr id="3" name="文字版面配置區 2">
-            <a:extLst>
-              <a:ext uri="{FF2B5EF4-FFF2-40B4-BE49-F238E27FC236}">
-                <a16:creationId xmlns:a16="http://schemas.microsoft.com/office/drawing/2014/main" id="{90235018-E757-4630-8511-F466B919268F}"/>
-              </a:ext>
-            </a:extLst>
-          </p:cNvPr>
+            <a:endParaRPr lang="en-US" dirty="0"/>
+          </a:p>
+        </p:txBody>
+      </p:sp>
+      <p:sp>
+        <p:nvSpPr>
+          <p:cNvPr id="3" name="Text Placeholder 2"/>
           <p:cNvSpPr>
             <a:spLocks noGrp="1"/>
           </p:cNvSpPr>
@@ -1015,7 +1868,7 @@
               <a:defRPr sz="2400">
                 <a:solidFill>
                   <a:schemeClr val="tx1">
-                    <a:tint val="75000"/>
+                    <a:shade val="82000"/>
                   </a:schemeClr>
                 </a:solidFill>
               </a:defRPr>
@@ -1025,7 +1878,7 @@
               <a:defRPr sz="2000">
                 <a:solidFill>
                   <a:schemeClr val="tx1">
-                    <a:tint val="75000"/>
+                    <a:shade val="82000"/>
                   </a:schemeClr>
                 </a:solidFill>
               </a:defRPr>
@@ -1035,7 +1888,7 @@
               <a:defRPr sz="1800">
                 <a:solidFill>
                   <a:schemeClr val="tx1">
-                    <a:tint val="75000"/>
+                    <a:shade val="82000"/>
                   </a:schemeClr>
                 </a:solidFill>
               </a:defRPr>
@@ -1045,7 +1898,7 @@
               <a:defRPr sz="1600">
                 <a:solidFill>
                   <a:schemeClr val="tx1">
-                    <a:tint val="75000"/>
+                    <a:shade val="82000"/>
                   </a:schemeClr>
                 </a:solidFill>
               </a:defRPr>
@@ -1055,7 +1908,7 @@
               <a:defRPr sz="1600">
                 <a:solidFill>
                   <a:schemeClr val="tx1">
-                    <a:tint val="75000"/>
+                    <a:shade val="82000"/>
                   </a:schemeClr>
                 </a:solidFill>
               </a:defRPr>
@@ -1065,7 +1918,7 @@
               <a:defRPr sz="1600">
                 <a:solidFill>
                   <a:schemeClr val="tx1">
-                    <a:tint val="75000"/>
+                    <a:shade val="82000"/>
                   </a:schemeClr>
                 </a:solidFill>
               </a:defRPr>
@@ -1075,7 +1928,7 @@
               <a:defRPr sz="1600">
                 <a:solidFill>
                   <a:schemeClr val="tx1">
-                    <a:tint val="75000"/>
+                    <a:shade val="82000"/>
                   </a:schemeClr>
                 </a:solidFill>
               </a:defRPr>
@@ -1085,7 +1938,7 @@
               <a:defRPr sz="1600">
                 <a:solidFill>
                   <a:schemeClr val="tx1">
-                    <a:tint val="75000"/>
+                    <a:shade val="82000"/>
                   </a:schemeClr>
                 </a:solidFill>
               </a:defRPr>
@@ -1095,7 +1948,7 @@
               <a:defRPr sz="1600">
                 <a:solidFill>
                   <a:schemeClr val="tx1">
-                    <a:tint val="75000"/>
+                    <a:shade val="82000"/>
                   </a:schemeClr>
                 </a:solidFill>
               </a:defRPr>
@@ -1112,13 +1965,7 @@
       </p:sp>
       <p:sp>
         <p:nvSpPr>
-          <p:cNvPr id="4" name="日期版面配置區 3">
-            <a:extLst>
-              <a:ext uri="{FF2B5EF4-FFF2-40B4-BE49-F238E27FC236}">
-                <a16:creationId xmlns:a16="http://schemas.microsoft.com/office/drawing/2014/main" id="{37546C76-CF19-433D-9070-0A54A149F1B2}"/>
-              </a:ext>
-            </a:extLst>
-          </p:cNvPr>
+          <p:cNvPr id="4" name="Date Placeholder 3"/>
           <p:cNvSpPr>
             <a:spLocks noGrp="1"/>
           </p:cNvSpPr>
@@ -1131,9 +1978,9 @@
           <a:bodyPr/>
           <a:lstStyle/>
           <a:p>
-            <a:fld id="{C3C90D7E-32D6-4894-AE08-7BBB3E610FC9}" type="datetimeFigureOut">
+            <a:fld id="{036F04D6-BFFA-4BED-806D-3290E51D8392}" type="datetimeFigureOut">
               <a:rPr lang="zh-TW" altLang="en-US" smtClean="0"/>
-              <a:t>2024/9/16</a:t>
+              <a:t>2024/10/21</a:t>
             </a:fld>
             <a:endParaRPr lang="zh-TW" altLang="en-US"/>
           </a:p>
@@ -1141,13 +1988,7 @@
       </p:sp>
       <p:sp>
         <p:nvSpPr>
-          <p:cNvPr id="5" name="頁尾版面配置區 4">
-            <a:extLst>
-              <a:ext uri="{FF2B5EF4-FFF2-40B4-BE49-F238E27FC236}">
-                <a16:creationId xmlns:a16="http://schemas.microsoft.com/office/drawing/2014/main" id="{9C9DC25F-827C-4564-AD0E-7FD815D53AF7}"/>
-              </a:ext>
-            </a:extLst>
-          </p:cNvPr>
+          <p:cNvPr id="5" name="Footer Placeholder 4"/>
           <p:cNvSpPr>
             <a:spLocks noGrp="1"/>
           </p:cNvSpPr>
@@ -1166,13 +2007,7 @@
       </p:sp>
       <p:sp>
         <p:nvSpPr>
-          <p:cNvPr id="6" name="投影片編號版面配置區 5">
-            <a:extLst>
-              <a:ext uri="{FF2B5EF4-FFF2-40B4-BE49-F238E27FC236}">
-                <a16:creationId xmlns:a16="http://schemas.microsoft.com/office/drawing/2014/main" id="{8C0653A6-68AA-4213-8D62-EAF9243D6998}"/>
-              </a:ext>
-            </a:extLst>
-          </p:cNvPr>
+          <p:cNvPr id="6" name="Slide Number Placeholder 5"/>
           <p:cNvSpPr>
             <a:spLocks noGrp="1"/>
           </p:cNvSpPr>
@@ -1185,7 +2020,7 @@
           <a:bodyPr/>
           <a:lstStyle/>
           <a:p>
-            <a:fld id="{E31EC408-072F-4346-BD0A-D6AA5788A305}" type="slidenum">
+            <a:fld id="{624E4846-6CF2-4C57-95EB-1C536F24A66A}" type="slidenum">
               <a:rPr lang="zh-TW" altLang="en-US" smtClean="0"/>
               <a:t>‹#›</a:t>
             </a:fld>
@@ -1196,7 +2031,7 @@
     </p:spTree>
     <p:extLst>
       <p:ext uri="{BB962C8B-B14F-4D97-AF65-F5344CB8AC3E}">
-        <p14:creationId xmlns:p14="http://schemas.microsoft.com/office/powerpoint/2010/main" val="3126775509"/>
+        <p14:creationId xmlns:p14="http://schemas.microsoft.com/office/powerpoint/2010/main" val="1908044283"/>
       </p:ext>
     </p:extLst>
   </p:cSld>
@@ -1225,13 +2060,7 @@
       </p:grpSpPr>
       <p:sp>
         <p:nvSpPr>
-          <p:cNvPr id="2" name="標題 1">
-            <a:extLst>
-              <a:ext uri="{FF2B5EF4-FFF2-40B4-BE49-F238E27FC236}">
-                <a16:creationId xmlns:a16="http://schemas.microsoft.com/office/drawing/2014/main" id="{F8A74D77-9E6E-4FD1-97AD-0ADC1228B6AF}"/>
-              </a:ext>
-            </a:extLst>
-          </p:cNvPr>
+          <p:cNvPr id="2" name="Title 1"/>
           <p:cNvSpPr>
             <a:spLocks noGrp="1"/>
           </p:cNvSpPr>
@@ -1248,18 +2077,13 @@
               <a:rPr lang="zh-TW" altLang="en-US"/>
               <a:t>按一下以編輯母片標題樣式</a:t>
             </a:r>
-          </a:p>
-        </p:txBody>
-      </p:sp>
-      <p:sp>
-        <p:nvSpPr>
-          <p:cNvPr id="3" name="內容版面配置區 2">
-            <a:extLst>
-              <a:ext uri="{FF2B5EF4-FFF2-40B4-BE49-F238E27FC236}">
-                <a16:creationId xmlns:a16="http://schemas.microsoft.com/office/drawing/2014/main" id="{9FDE4E9B-689C-4373-B281-9636BE211982}"/>
-              </a:ext>
-            </a:extLst>
-          </p:cNvPr>
+            <a:endParaRPr lang="en-US" dirty="0"/>
+          </a:p>
+        </p:txBody>
+      </p:sp>
+      <p:sp>
+        <p:nvSpPr>
+          <p:cNvPr id="3" name="Content Placeholder 2"/>
           <p:cNvSpPr>
             <a:spLocks noGrp="1"/>
           </p:cNvSpPr>
@@ -1310,18 +2134,13 @@
               <a:rPr lang="zh-TW" altLang="en-US"/>
               <a:t>第五層</a:t>
             </a:r>
-          </a:p>
-        </p:txBody>
-      </p:sp>
-      <p:sp>
-        <p:nvSpPr>
-          <p:cNvPr id="4" name="內容版面配置區 3">
-            <a:extLst>
-              <a:ext uri="{FF2B5EF4-FFF2-40B4-BE49-F238E27FC236}">
-                <a16:creationId xmlns:a16="http://schemas.microsoft.com/office/drawing/2014/main" id="{CD25EC10-0BDA-4ECA-AB8E-059AC3378E22}"/>
-              </a:ext>
-            </a:extLst>
-          </p:cNvPr>
+            <a:endParaRPr lang="en-US" dirty="0"/>
+          </a:p>
+        </p:txBody>
+      </p:sp>
+      <p:sp>
+        <p:nvSpPr>
+          <p:cNvPr id="4" name="Content Placeholder 3"/>
           <p:cNvSpPr>
             <a:spLocks noGrp="1"/>
           </p:cNvSpPr>
@@ -1372,18 +2191,13 @@
               <a:rPr lang="zh-TW" altLang="en-US"/>
               <a:t>第五層</a:t>
             </a:r>
-          </a:p>
-        </p:txBody>
-      </p:sp>
-      <p:sp>
-        <p:nvSpPr>
-          <p:cNvPr id="5" name="日期版面配置區 4">
-            <a:extLst>
-              <a:ext uri="{FF2B5EF4-FFF2-40B4-BE49-F238E27FC236}">
-                <a16:creationId xmlns:a16="http://schemas.microsoft.com/office/drawing/2014/main" id="{63DAF127-0983-4C38-869C-C0A513FA9147}"/>
-              </a:ext>
-            </a:extLst>
-          </p:cNvPr>
+            <a:endParaRPr lang="en-US" dirty="0"/>
+          </a:p>
+        </p:txBody>
+      </p:sp>
+      <p:sp>
+        <p:nvSpPr>
+          <p:cNvPr id="5" name="Date Placeholder 4"/>
           <p:cNvSpPr>
             <a:spLocks noGrp="1"/>
           </p:cNvSpPr>
@@ -1396,9 +2210,9 @@
           <a:bodyPr/>
           <a:lstStyle/>
           <a:p>
-            <a:fld id="{C3C90D7E-32D6-4894-AE08-7BBB3E610FC9}" type="datetimeFigureOut">
+            <a:fld id="{036F04D6-BFFA-4BED-806D-3290E51D8392}" type="datetimeFigureOut">
               <a:rPr lang="zh-TW" altLang="en-US" smtClean="0"/>
-              <a:t>2024/9/16</a:t>
+              <a:t>2024/10/21</a:t>
             </a:fld>
             <a:endParaRPr lang="zh-TW" altLang="en-US"/>
           </a:p>
@@ -1406,13 +2220,7 @@
       </p:sp>
       <p:sp>
         <p:nvSpPr>
-          <p:cNvPr id="6" name="頁尾版面配置區 5">
-            <a:extLst>
-              <a:ext uri="{FF2B5EF4-FFF2-40B4-BE49-F238E27FC236}">
-                <a16:creationId xmlns:a16="http://schemas.microsoft.com/office/drawing/2014/main" id="{E014CBA6-CCE3-4CF4-8E13-D895EDBD8F25}"/>
-              </a:ext>
-            </a:extLst>
-          </p:cNvPr>
+          <p:cNvPr id="6" name="Footer Placeholder 5"/>
           <p:cNvSpPr>
             <a:spLocks noGrp="1"/>
           </p:cNvSpPr>
@@ -1431,13 +2239,7 @@
       </p:sp>
       <p:sp>
         <p:nvSpPr>
-          <p:cNvPr id="7" name="投影片編號版面配置區 6">
-            <a:extLst>
-              <a:ext uri="{FF2B5EF4-FFF2-40B4-BE49-F238E27FC236}">
-                <a16:creationId xmlns:a16="http://schemas.microsoft.com/office/drawing/2014/main" id="{5CEAA8E5-79B3-445E-B8C3-29BD56CE6D7A}"/>
-              </a:ext>
-            </a:extLst>
-          </p:cNvPr>
+          <p:cNvPr id="7" name="Slide Number Placeholder 6"/>
           <p:cNvSpPr>
             <a:spLocks noGrp="1"/>
           </p:cNvSpPr>
@@ -1450,7 +2252,7 @@
           <a:bodyPr/>
           <a:lstStyle/>
           <a:p>
-            <a:fld id="{E31EC408-072F-4346-BD0A-D6AA5788A305}" type="slidenum">
+            <a:fld id="{624E4846-6CF2-4C57-95EB-1C536F24A66A}" type="slidenum">
               <a:rPr lang="zh-TW" altLang="en-US" smtClean="0"/>
               <a:t>‹#›</a:t>
             </a:fld>
@@ -1461,7 +2263,7 @@
     </p:spTree>
     <p:extLst>
       <p:ext uri="{BB962C8B-B14F-4D97-AF65-F5344CB8AC3E}">
-        <p14:creationId xmlns:p14="http://schemas.microsoft.com/office/powerpoint/2010/main" val="3858213488"/>
+        <p14:creationId xmlns:p14="http://schemas.microsoft.com/office/powerpoint/2010/main" val="4184411619"/>
       </p:ext>
     </p:extLst>
   </p:cSld>
@@ -1490,13 +2292,7 @@
       </p:grpSpPr>
       <p:sp>
         <p:nvSpPr>
-          <p:cNvPr id="2" name="標題 1">
-            <a:extLst>
-              <a:ext uri="{FF2B5EF4-FFF2-40B4-BE49-F238E27FC236}">
-                <a16:creationId xmlns:a16="http://schemas.microsoft.com/office/drawing/2014/main" id="{A00F76B6-8DEC-4A74-A06A-BA0146321CD8}"/>
-              </a:ext>
-            </a:extLst>
-          </p:cNvPr>
+          <p:cNvPr id="2" name="Title 1"/>
           <p:cNvSpPr>
             <a:spLocks noGrp="1"/>
           </p:cNvSpPr>
@@ -1518,18 +2314,13 @@
               <a:rPr lang="zh-TW" altLang="en-US"/>
               <a:t>按一下以編輯母片標題樣式</a:t>
             </a:r>
-          </a:p>
-        </p:txBody>
-      </p:sp>
-      <p:sp>
-        <p:nvSpPr>
-          <p:cNvPr id="3" name="文字版面配置區 2">
-            <a:extLst>
-              <a:ext uri="{FF2B5EF4-FFF2-40B4-BE49-F238E27FC236}">
-                <a16:creationId xmlns:a16="http://schemas.microsoft.com/office/drawing/2014/main" id="{EF00F5C5-99A7-4F16-855A-F170362659F7}"/>
-              </a:ext>
-            </a:extLst>
-          </p:cNvPr>
+            <a:endParaRPr lang="en-US" dirty="0"/>
+          </a:p>
+        </p:txBody>
+      </p:sp>
+      <p:sp>
+        <p:nvSpPr>
+          <p:cNvPr id="3" name="Text Placeholder 2"/>
           <p:cNvSpPr>
             <a:spLocks noGrp="1"/>
           </p:cNvSpPr>
@@ -1594,13 +2385,7 @@
       </p:sp>
       <p:sp>
         <p:nvSpPr>
-          <p:cNvPr id="4" name="內容版面配置區 3">
-            <a:extLst>
-              <a:ext uri="{FF2B5EF4-FFF2-40B4-BE49-F238E27FC236}">
-                <a16:creationId xmlns:a16="http://schemas.microsoft.com/office/drawing/2014/main" id="{6722BEB2-C9B4-4C14-8234-D17E84349984}"/>
-              </a:ext>
-            </a:extLst>
-          </p:cNvPr>
+          <p:cNvPr id="4" name="Content Placeholder 3"/>
           <p:cNvSpPr>
             <a:spLocks noGrp="1"/>
           </p:cNvSpPr>
@@ -1651,18 +2436,13 @@
               <a:rPr lang="zh-TW" altLang="en-US"/>
               <a:t>第五層</a:t>
             </a:r>
-          </a:p>
-        </p:txBody>
-      </p:sp>
-      <p:sp>
-        <p:nvSpPr>
-          <p:cNvPr id="5" name="文字版面配置區 4">
-            <a:extLst>
-              <a:ext uri="{FF2B5EF4-FFF2-40B4-BE49-F238E27FC236}">
-                <a16:creationId xmlns:a16="http://schemas.microsoft.com/office/drawing/2014/main" id="{E4A41162-A0AC-4211-940F-4B92208F9B0E}"/>
-              </a:ext>
-            </a:extLst>
-          </p:cNvPr>
+            <a:endParaRPr lang="en-US" dirty="0"/>
+          </a:p>
+        </p:txBody>
+      </p:sp>
+      <p:sp>
+        <p:nvSpPr>
+          <p:cNvPr id="5" name="Text Placeholder 4"/>
           <p:cNvSpPr>
             <a:spLocks noGrp="1"/>
           </p:cNvSpPr>
@@ -1727,13 +2507,7 @@
       </p:sp>
       <p:sp>
         <p:nvSpPr>
-          <p:cNvPr id="6" name="內容版面配置區 5">
-            <a:extLst>
-              <a:ext uri="{FF2B5EF4-FFF2-40B4-BE49-F238E27FC236}">
-                <a16:creationId xmlns:a16="http://schemas.microsoft.com/office/drawing/2014/main" id="{E8EA159A-F9D7-4F58-A7C3-6E5B65E42266}"/>
-              </a:ext>
-            </a:extLst>
-          </p:cNvPr>
+          <p:cNvPr id="6" name="Content Placeholder 5"/>
           <p:cNvSpPr>
             <a:spLocks noGrp="1"/>
           </p:cNvSpPr>
@@ -1784,18 +2558,13 @@
               <a:rPr lang="zh-TW" altLang="en-US"/>
               <a:t>第五層</a:t>
             </a:r>
-          </a:p>
-        </p:txBody>
-      </p:sp>
-      <p:sp>
-        <p:nvSpPr>
-          <p:cNvPr id="7" name="日期版面配置區 6">
-            <a:extLst>
-              <a:ext uri="{FF2B5EF4-FFF2-40B4-BE49-F238E27FC236}">
-                <a16:creationId xmlns:a16="http://schemas.microsoft.com/office/drawing/2014/main" id="{AE973E80-9141-48B7-A9D7-605A4541768F}"/>
-              </a:ext>
-            </a:extLst>
-          </p:cNvPr>
+            <a:endParaRPr lang="en-US" dirty="0"/>
+          </a:p>
+        </p:txBody>
+      </p:sp>
+      <p:sp>
+        <p:nvSpPr>
+          <p:cNvPr id="7" name="Date Placeholder 6"/>
           <p:cNvSpPr>
             <a:spLocks noGrp="1"/>
           </p:cNvSpPr>
@@ -1808,9 +2577,9 @@
           <a:bodyPr/>
           <a:lstStyle/>
           <a:p>
-            <a:fld id="{C3C90D7E-32D6-4894-AE08-7BBB3E610FC9}" type="datetimeFigureOut">
+            <a:fld id="{036F04D6-BFFA-4BED-806D-3290E51D8392}" type="datetimeFigureOut">
               <a:rPr lang="zh-TW" altLang="en-US" smtClean="0"/>
-              <a:t>2024/9/16</a:t>
+              <a:t>2024/10/21</a:t>
             </a:fld>
             <a:endParaRPr lang="zh-TW" altLang="en-US"/>
           </a:p>
@@ -1818,13 +2587,7 @@
       </p:sp>
       <p:sp>
         <p:nvSpPr>
-          <p:cNvPr id="8" name="頁尾版面配置區 7">
-            <a:extLst>
-              <a:ext uri="{FF2B5EF4-FFF2-40B4-BE49-F238E27FC236}">
-                <a16:creationId xmlns:a16="http://schemas.microsoft.com/office/drawing/2014/main" id="{6520B07A-79F8-43E7-8013-632DD2AED223}"/>
-              </a:ext>
-            </a:extLst>
-          </p:cNvPr>
+          <p:cNvPr id="8" name="Footer Placeholder 7"/>
           <p:cNvSpPr>
             <a:spLocks noGrp="1"/>
           </p:cNvSpPr>
@@ -1843,13 +2606,7 @@
       </p:sp>
       <p:sp>
         <p:nvSpPr>
-          <p:cNvPr id="9" name="投影片編號版面配置區 8">
-            <a:extLst>
-              <a:ext uri="{FF2B5EF4-FFF2-40B4-BE49-F238E27FC236}">
-                <a16:creationId xmlns:a16="http://schemas.microsoft.com/office/drawing/2014/main" id="{3B997D8F-4F1C-4DE6-A82C-3E0C38ACAE96}"/>
-              </a:ext>
-            </a:extLst>
-          </p:cNvPr>
+          <p:cNvPr id="9" name="Slide Number Placeholder 8"/>
           <p:cNvSpPr>
             <a:spLocks noGrp="1"/>
           </p:cNvSpPr>
@@ -1862,7 +2619,7 @@
           <a:bodyPr/>
           <a:lstStyle/>
           <a:p>
-            <a:fld id="{E31EC408-072F-4346-BD0A-D6AA5788A305}" type="slidenum">
+            <a:fld id="{624E4846-6CF2-4C57-95EB-1C536F24A66A}" type="slidenum">
               <a:rPr lang="zh-TW" altLang="en-US" smtClean="0"/>
               <a:t>‹#›</a:t>
             </a:fld>
@@ -1873,7 +2630,7 @@
     </p:spTree>
     <p:extLst>
       <p:ext uri="{BB962C8B-B14F-4D97-AF65-F5344CB8AC3E}">
-        <p14:creationId xmlns:p14="http://schemas.microsoft.com/office/powerpoint/2010/main" val="3379995638"/>
+        <p14:creationId xmlns:p14="http://schemas.microsoft.com/office/powerpoint/2010/main" val="1010536510"/>
       </p:ext>
     </p:extLst>
   </p:cSld>
@@ -1902,13 +2659,7 @@
       </p:grpSpPr>
       <p:sp>
         <p:nvSpPr>
-          <p:cNvPr id="2" name="標題 1">
-            <a:extLst>
-              <a:ext uri="{FF2B5EF4-FFF2-40B4-BE49-F238E27FC236}">
-                <a16:creationId xmlns:a16="http://schemas.microsoft.com/office/drawing/2014/main" id="{6CE04611-FD10-429D-89AA-73C259B64293}"/>
-              </a:ext>
-            </a:extLst>
-          </p:cNvPr>
+          <p:cNvPr id="2" name="Title 1"/>
           <p:cNvSpPr>
             <a:spLocks noGrp="1"/>
           </p:cNvSpPr>
@@ -1925,18 +2676,13 @@
               <a:rPr lang="zh-TW" altLang="en-US"/>
               <a:t>按一下以編輯母片標題樣式</a:t>
             </a:r>
-          </a:p>
-        </p:txBody>
-      </p:sp>
-      <p:sp>
-        <p:nvSpPr>
-          <p:cNvPr id="3" name="日期版面配置區 2">
-            <a:extLst>
-              <a:ext uri="{FF2B5EF4-FFF2-40B4-BE49-F238E27FC236}">
-                <a16:creationId xmlns:a16="http://schemas.microsoft.com/office/drawing/2014/main" id="{2D9009F3-A280-4DA8-ACC4-187DE2172BCA}"/>
-              </a:ext>
-            </a:extLst>
-          </p:cNvPr>
+            <a:endParaRPr lang="en-US" dirty="0"/>
+          </a:p>
+        </p:txBody>
+      </p:sp>
+      <p:sp>
+        <p:nvSpPr>
+          <p:cNvPr id="3" name="Date Placeholder 2"/>
           <p:cNvSpPr>
             <a:spLocks noGrp="1"/>
           </p:cNvSpPr>
@@ -1949,9 +2695,9 @@
           <a:bodyPr/>
           <a:lstStyle/>
           <a:p>
-            <a:fld id="{C3C90D7E-32D6-4894-AE08-7BBB3E610FC9}" type="datetimeFigureOut">
+            <a:fld id="{036F04D6-BFFA-4BED-806D-3290E51D8392}" type="datetimeFigureOut">
               <a:rPr lang="zh-TW" altLang="en-US" smtClean="0"/>
-              <a:t>2024/9/16</a:t>
+              <a:t>2024/10/21</a:t>
             </a:fld>
             <a:endParaRPr lang="zh-TW" altLang="en-US"/>
           </a:p>
@@ -1959,13 +2705,7 @@
       </p:sp>
       <p:sp>
         <p:nvSpPr>
-          <p:cNvPr id="4" name="頁尾版面配置區 3">
-            <a:extLst>
-              <a:ext uri="{FF2B5EF4-FFF2-40B4-BE49-F238E27FC236}">
-                <a16:creationId xmlns:a16="http://schemas.microsoft.com/office/drawing/2014/main" id="{F8FD791E-F627-4DDB-AD69-F7639FDD1767}"/>
-              </a:ext>
-            </a:extLst>
-          </p:cNvPr>
+          <p:cNvPr id="4" name="Footer Placeholder 3"/>
           <p:cNvSpPr>
             <a:spLocks noGrp="1"/>
           </p:cNvSpPr>
@@ -1984,13 +2724,7 @@
       </p:sp>
       <p:sp>
         <p:nvSpPr>
-          <p:cNvPr id="5" name="投影片編號版面配置區 4">
-            <a:extLst>
-              <a:ext uri="{FF2B5EF4-FFF2-40B4-BE49-F238E27FC236}">
-                <a16:creationId xmlns:a16="http://schemas.microsoft.com/office/drawing/2014/main" id="{CE9C3C73-9A1B-4A20-B40C-BF8E0726E9AE}"/>
-              </a:ext>
-            </a:extLst>
-          </p:cNvPr>
+          <p:cNvPr id="5" name="Slide Number Placeholder 4"/>
           <p:cNvSpPr>
             <a:spLocks noGrp="1"/>
           </p:cNvSpPr>
@@ -2003,7 +2737,7 @@
           <a:bodyPr/>
           <a:lstStyle/>
           <a:p>
-            <a:fld id="{E31EC408-072F-4346-BD0A-D6AA5788A305}" type="slidenum">
+            <a:fld id="{624E4846-6CF2-4C57-95EB-1C536F24A66A}" type="slidenum">
               <a:rPr lang="zh-TW" altLang="en-US" smtClean="0"/>
               <a:t>‹#›</a:t>
             </a:fld>
@@ -2014,7 +2748,7 @@
     </p:spTree>
     <p:extLst>
       <p:ext uri="{BB962C8B-B14F-4D97-AF65-F5344CB8AC3E}">
-        <p14:creationId xmlns:p14="http://schemas.microsoft.com/office/powerpoint/2010/main" val="3116621787"/>
+        <p14:creationId xmlns:p14="http://schemas.microsoft.com/office/powerpoint/2010/main" val="1762319797"/>
       </p:ext>
     </p:extLst>
   </p:cSld>
@@ -2043,13 +2777,7 @@
       </p:grpSpPr>
       <p:sp>
         <p:nvSpPr>
-          <p:cNvPr id="2" name="日期版面配置區 1">
-            <a:extLst>
-              <a:ext uri="{FF2B5EF4-FFF2-40B4-BE49-F238E27FC236}">
-                <a16:creationId xmlns:a16="http://schemas.microsoft.com/office/drawing/2014/main" id="{1E1D8EED-F2A7-4221-9887-0DBB62EB3F80}"/>
-              </a:ext>
-            </a:extLst>
-          </p:cNvPr>
+          <p:cNvPr id="2" name="Date Placeholder 1"/>
           <p:cNvSpPr>
             <a:spLocks noGrp="1"/>
           </p:cNvSpPr>
@@ -2062,9 +2790,9 @@
           <a:bodyPr/>
           <a:lstStyle/>
           <a:p>
-            <a:fld id="{C3C90D7E-32D6-4894-AE08-7BBB3E610FC9}" type="datetimeFigureOut">
+            <a:fld id="{036F04D6-BFFA-4BED-806D-3290E51D8392}" type="datetimeFigureOut">
               <a:rPr lang="zh-TW" altLang="en-US" smtClean="0"/>
-              <a:t>2024/9/16</a:t>
+              <a:t>2024/10/21</a:t>
             </a:fld>
             <a:endParaRPr lang="zh-TW" altLang="en-US"/>
           </a:p>
@@ -2072,13 +2800,7 @@
       </p:sp>
       <p:sp>
         <p:nvSpPr>
-          <p:cNvPr id="3" name="頁尾版面配置區 2">
-            <a:extLst>
-              <a:ext uri="{FF2B5EF4-FFF2-40B4-BE49-F238E27FC236}">
-                <a16:creationId xmlns:a16="http://schemas.microsoft.com/office/drawing/2014/main" id="{10593B39-DC86-45A7-85EF-B4DB9C28DC80}"/>
-              </a:ext>
-            </a:extLst>
-          </p:cNvPr>
+          <p:cNvPr id="3" name="Footer Placeholder 2"/>
           <p:cNvSpPr>
             <a:spLocks noGrp="1"/>
           </p:cNvSpPr>
@@ -2097,13 +2819,7 @@
       </p:sp>
       <p:sp>
         <p:nvSpPr>
-          <p:cNvPr id="4" name="投影片編號版面配置區 3">
-            <a:extLst>
-              <a:ext uri="{FF2B5EF4-FFF2-40B4-BE49-F238E27FC236}">
-                <a16:creationId xmlns:a16="http://schemas.microsoft.com/office/drawing/2014/main" id="{3D9056B2-6966-4CAF-94D1-2295A737E168}"/>
-              </a:ext>
-            </a:extLst>
-          </p:cNvPr>
+          <p:cNvPr id="4" name="Slide Number Placeholder 3"/>
           <p:cNvSpPr>
             <a:spLocks noGrp="1"/>
           </p:cNvSpPr>
@@ -2116,7 +2832,7 @@
           <a:bodyPr/>
           <a:lstStyle/>
           <a:p>
-            <a:fld id="{E31EC408-072F-4346-BD0A-D6AA5788A305}" type="slidenum">
+            <a:fld id="{624E4846-6CF2-4C57-95EB-1C536F24A66A}" type="slidenum">
               <a:rPr lang="zh-TW" altLang="en-US" smtClean="0"/>
               <a:t>‹#›</a:t>
             </a:fld>
@@ -2127,7 +2843,7 @@
     </p:spTree>
     <p:extLst>
       <p:ext uri="{BB962C8B-B14F-4D97-AF65-F5344CB8AC3E}">
-        <p14:creationId xmlns:p14="http://schemas.microsoft.com/office/powerpoint/2010/main" val="3887241942"/>
+        <p14:creationId xmlns:p14="http://schemas.microsoft.com/office/powerpoint/2010/main" val="2009762227"/>
       </p:ext>
     </p:extLst>
   </p:cSld>
@@ -2156,13 +2872,7 @@
       </p:grpSpPr>
       <p:sp>
         <p:nvSpPr>
-          <p:cNvPr id="2" name="標題 1">
-            <a:extLst>
-              <a:ext uri="{FF2B5EF4-FFF2-40B4-BE49-F238E27FC236}">
-                <a16:creationId xmlns:a16="http://schemas.microsoft.com/office/drawing/2014/main" id="{5C3076DF-D16B-4600-9550-96C6A8DD7F1A}"/>
-              </a:ext>
-            </a:extLst>
-          </p:cNvPr>
+          <p:cNvPr id="2" name="Title 1"/>
           <p:cNvSpPr>
             <a:spLocks noGrp="1"/>
           </p:cNvSpPr>
@@ -2188,18 +2898,13 @@
               <a:rPr lang="zh-TW" altLang="en-US"/>
               <a:t>按一下以編輯母片標題樣式</a:t>
             </a:r>
-          </a:p>
-        </p:txBody>
-      </p:sp>
-      <p:sp>
-        <p:nvSpPr>
-          <p:cNvPr id="3" name="內容版面配置區 2">
-            <a:extLst>
-              <a:ext uri="{FF2B5EF4-FFF2-40B4-BE49-F238E27FC236}">
-                <a16:creationId xmlns:a16="http://schemas.microsoft.com/office/drawing/2014/main" id="{9CD3D667-FDE5-4F5D-9495-588EC18912CE}"/>
-              </a:ext>
-            </a:extLst>
-          </p:cNvPr>
+            <a:endParaRPr lang="en-US" dirty="0"/>
+          </a:p>
+        </p:txBody>
+      </p:sp>
+      <p:sp>
+        <p:nvSpPr>
+          <p:cNvPr id="3" name="Content Placeholder 2"/>
           <p:cNvSpPr>
             <a:spLocks noGrp="1"/>
           </p:cNvSpPr>
@@ -2278,18 +2983,13 @@
               <a:rPr lang="zh-TW" altLang="en-US"/>
               <a:t>第五層</a:t>
             </a:r>
-          </a:p>
-        </p:txBody>
-      </p:sp>
-      <p:sp>
-        <p:nvSpPr>
-          <p:cNvPr id="4" name="文字版面配置區 3">
-            <a:extLst>
-              <a:ext uri="{FF2B5EF4-FFF2-40B4-BE49-F238E27FC236}">
-                <a16:creationId xmlns:a16="http://schemas.microsoft.com/office/drawing/2014/main" id="{22F511E7-BEEF-4F51-BA0E-52C1908D5608}"/>
-              </a:ext>
-            </a:extLst>
-          </p:cNvPr>
+            <a:endParaRPr lang="en-US" dirty="0"/>
+          </a:p>
+        </p:txBody>
+      </p:sp>
+      <p:sp>
+        <p:nvSpPr>
+          <p:cNvPr id="4" name="Text Placeholder 3"/>
           <p:cNvSpPr>
             <a:spLocks noGrp="1"/>
           </p:cNvSpPr>
@@ -2354,13 +3054,7 @@
       </p:sp>
       <p:sp>
         <p:nvSpPr>
-          <p:cNvPr id="5" name="日期版面配置區 4">
-            <a:extLst>
-              <a:ext uri="{FF2B5EF4-FFF2-40B4-BE49-F238E27FC236}">
-                <a16:creationId xmlns:a16="http://schemas.microsoft.com/office/drawing/2014/main" id="{88060697-A92E-4178-A790-FCBB90D70573}"/>
-              </a:ext>
-            </a:extLst>
-          </p:cNvPr>
+          <p:cNvPr id="5" name="Date Placeholder 4"/>
           <p:cNvSpPr>
             <a:spLocks noGrp="1"/>
           </p:cNvSpPr>
@@ -2373,9 +3067,9 @@
           <a:bodyPr/>
           <a:lstStyle/>
           <a:p>
-            <a:fld id="{C3C90D7E-32D6-4894-AE08-7BBB3E610FC9}" type="datetimeFigureOut">
+            <a:fld id="{036F04D6-BFFA-4BED-806D-3290E51D8392}" type="datetimeFigureOut">
               <a:rPr lang="zh-TW" altLang="en-US" smtClean="0"/>
-              <a:t>2024/9/16</a:t>
+              <a:t>2024/10/21</a:t>
             </a:fld>
             <a:endParaRPr lang="zh-TW" altLang="en-US"/>
           </a:p>
@@ -2383,13 +3077,7 @@
       </p:sp>
       <p:sp>
         <p:nvSpPr>
-          <p:cNvPr id="6" name="頁尾版面配置區 5">
-            <a:extLst>
-              <a:ext uri="{FF2B5EF4-FFF2-40B4-BE49-F238E27FC236}">
-                <a16:creationId xmlns:a16="http://schemas.microsoft.com/office/drawing/2014/main" id="{2A8E3F57-A99A-4C4C-BF14-EE42AB99CE78}"/>
-              </a:ext>
-            </a:extLst>
-          </p:cNvPr>
+          <p:cNvPr id="6" name="Footer Placeholder 5"/>
           <p:cNvSpPr>
             <a:spLocks noGrp="1"/>
           </p:cNvSpPr>
@@ -2408,13 +3096,7 @@
       </p:sp>
       <p:sp>
         <p:nvSpPr>
-          <p:cNvPr id="7" name="投影片編號版面配置區 6">
-            <a:extLst>
-              <a:ext uri="{FF2B5EF4-FFF2-40B4-BE49-F238E27FC236}">
-                <a16:creationId xmlns:a16="http://schemas.microsoft.com/office/drawing/2014/main" id="{39234440-6924-48D7-AC1A-200D5946BCA9}"/>
-              </a:ext>
-            </a:extLst>
-          </p:cNvPr>
+          <p:cNvPr id="7" name="Slide Number Placeholder 6"/>
           <p:cNvSpPr>
             <a:spLocks noGrp="1"/>
           </p:cNvSpPr>
@@ -2427,7 +3109,7 @@
           <a:bodyPr/>
           <a:lstStyle/>
           <a:p>
-            <a:fld id="{E31EC408-072F-4346-BD0A-D6AA5788A305}" type="slidenum">
+            <a:fld id="{624E4846-6CF2-4C57-95EB-1C536F24A66A}" type="slidenum">
               <a:rPr lang="zh-TW" altLang="en-US" smtClean="0"/>
               <a:t>‹#›</a:t>
             </a:fld>
@@ -2438,7 +3120,7 @@
     </p:spTree>
     <p:extLst>
       <p:ext uri="{BB962C8B-B14F-4D97-AF65-F5344CB8AC3E}">
-        <p14:creationId xmlns:p14="http://schemas.microsoft.com/office/powerpoint/2010/main" val="2036183199"/>
+        <p14:creationId xmlns:p14="http://schemas.microsoft.com/office/powerpoint/2010/main" val="4078296578"/>
       </p:ext>
     </p:extLst>
   </p:cSld>
@@ -2467,13 +3149,7 @@
       </p:grpSpPr>
       <p:sp>
         <p:nvSpPr>
-          <p:cNvPr id="2" name="標題 1">
-            <a:extLst>
-              <a:ext uri="{FF2B5EF4-FFF2-40B4-BE49-F238E27FC236}">
-                <a16:creationId xmlns:a16="http://schemas.microsoft.com/office/drawing/2014/main" id="{B2E81694-0B93-4D65-9DA3-21597478A96C}"/>
-              </a:ext>
-            </a:extLst>
-          </p:cNvPr>
+          <p:cNvPr id="2" name="Title 1"/>
           <p:cNvSpPr>
             <a:spLocks noGrp="1"/>
           </p:cNvSpPr>
@@ -2499,20 +3175,15 @@
               <a:rPr lang="zh-TW" altLang="en-US"/>
               <a:t>按一下以編輯母片標題樣式</a:t>
             </a:r>
-          </a:p>
-        </p:txBody>
-      </p:sp>
-      <p:sp>
-        <p:nvSpPr>
-          <p:cNvPr id="3" name="圖片版面配置區 2">
-            <a:extLst>
-              <a:ext uri="{FF2B5EF4-FFF2-40B4-BE49-F238E27FC236}">
-                <a16:creationId xmlns:a16="http://schemas.microsoft.com/office/drawing/2014/main" id="{23E4D718-8CB0-4334-BB8A-FB8B57D7CDC6}"/>
-              </a:ext>
-            </a:extLst>
-          </p:cNvPr>
-          <p:cNvSpPr>
-            <a:spLocks noGrp="1"/>
+            <a:endParaRPr lang="en-US" dirty="0"/>
+          </a:p>
+        </p:txBody>
+      </p:sp>
+      <p:sp>
+        <p:nvSpPr>
+          <p:cNvPr id="3" name="Picture Placeholder 2"/>
+          <p:cNvSpPr>
+            <a:spLocks noGrp="1" noChangeAspect="1"/>
           </p:cNvSpPr>
           <p:nvPr>
             <p:ph type="pic" idx="1"/>
@@ -2525,7 +3196,7 @@
           </a:xfrm>
         </p:spPr>
         <p:txBody>
-          <a:bodyPr/>
+          <a:bodyPr anchor="t"/>
           <a:lstStyle>
             <a:lvl1pPr marL="0" indent="0">
               <a:buNone/>
@@ -2565,19 +3236,17 @@
             </a:lvl9pPr>
           </a:lstStyle>
           <a:p>
-            <a:endParaRPr lang="zh-TW" altLang="en-US"/>
-          </a:p>
-        </p:txBody>
-      </p:sp>
-      <p:sp>
-        <p:nvSpPr>
-          <p:cNvPr id="4" name="文字版面配置區 3">
-            <a:extLst>
-              <a:ext uri="{FF2B5EF4-FFF2-40B4-BE49-F238E27FC236}">
-                <a16:creationId xmlns:a16="http://schemas.microsoft.com/office/drawing/2014/main" id="{0DC47463-53E7-4FE3-B60B-1657D11127BD}"/>
-              </a:ext>
-            </a:extLst>
-          </p:cNvPr>
+            <a:r>
+              <a:rPr lang="zh-TW" altLang="en-US"/>
+              <a:t>按一下圖示以新增圖片</a:t>
+            </a:r>
+            <a:endParaRPr lang="en-US" dirty="0"/>
+          </a:p>
+        </p:txBody>
+      </p:sp>
+      <p:sp>
+        <p:nvSpPr>
+          <p:cNvPr id="4" name="Text Placeholder 3"/>
           <p:cNvSpPr>
             <a:spLocks noGrp="1"/>
           </p:cNvSpPr>
@@ -2642,13 +3311,7 @@
       </p:sp>
       <p:sp>
         <p:nvSpPr>
-          <p:cNvPr id="5" name="日期版面配置區 4">
-            <a:extLst>
-              <a:ext uri="{FF2B5EF4-FFF2-40B4-BE49-F238E27FC236}">
-                <a16:creationId xmlns:a16="http://schemas.microsoft.com/office/drawing/2014/main" id="{28875DC5-6AFF-40C0-8C77-F81A0A3E1B0F}"/>
-              </a:ext>
-            </a:extLst>
-          </p:cNvPr>
+          <p:cNvPr id="5" name="Date Placeholder 4"/>
           <p:cNvSpPr>
             <a:spLocks noGrp="1"/>
           </p:cNvSpPr>
@@ -2661,9 +3324,9 @@
           <a:bodyPr/>
           <a:lstStyle/>
           <a:p>
-            <a:fld id="{C3C90D7E-32D6-4894-AE08-7BBB3E610FC9}" type="datetimeFigureOut">
+            <a:fld id="{036F04D6-BFFA-4BED-806D-3290E51D8392}" type="datetimeFigureOut">
               <a:rPr lang="zh-TW" altLang="en-US" smtClean="0"/>
-              <a:t>2024/9/16</a:t>
+              <a:t>2024/10/21</a:t>
             </a:fld>
             <a:endParaRPr lang="zh-TW" altLang="en-US"/>
           </a:p>
@@ -2671,13 +3334,7 @@
       </p:sp>
       <p:sp>
         <p:nvSpPr>
-          <p:cNvPr id="6" name="頁尾版面配置區 5">
-            <a:extLst>
-              <a:ext uri="{FF2B5EF4-FFF2-40B4-BE49-F238E27FC236}">
-                <a16:creationId xmlns:a16="http://schemas.microsoft.com/office/drawing/2014/main" id="{24F8A973-6D07-4F0C-97A0-280FEFC238E0}"/>
-              </a:ext>
-            </a:extLst>
-          </p:cNvPr>
+          <p:cNvPr id="6" name="Footer Placeholder 5"/>
           <p:cNvSpPr>
             <a:spLocks noGrp="1"/>
           </p:cNvSpPr>
@@ -2696,13 +3353,7 @@
       </p:sp>
       <p:sp>
         <p:nvSpPr>
-          <p:cNvPr id="7" name="投影片編號版面配置區 6">
-            <a:extLst>
-              <a:ext uri="{FF2B5EF4-FFF2-40B4-BE49-F238E27FC236}">
-                <a16:creationId xmlns:a16="http://schemas.microsoft.com/office/drawing/2014/main" id="{DB60BB1E-F41B-40F0-929B-5208374980BF}"/>
-              </a:ext>
-            </a:extLst>
-          </p:cNvPr>
+          <p:cNvPr id="7" name="Slide Number Placeholder 6"/>
           <p:cNvSpPr>
             <a:spLocks noGrp="1"/>
           </p:cNvSpPr>
@@ -2715,7 +3366,7 @@
           <a:bodyPr/>
           <a:lstStyle/>
           <a:p>
-            <a:fld id="{E31EC408-072F-4346-BD0A-D6AA5788A305}" type="slidenum">
+            <a:fld id="{624E4846-6CF2-4C57-95EB-1C536F24A66A}" type="slidenum">
               <a:rPr lang="zh-TW" altLang="en-US" smtClean="0"/>
               <a:t>‹#›</a:t>
             </a:fld>
@@ -2726,7 +3377,7 @@
     </p:spTree>
     <p:extLst>
       <p:ext uri="{BB962C8B-B14F-4D97-AF65-F5344CB8AC3E}">
-        <p14:creationId xmlns:p14="http://schemas.microsoft.com/office/powerpoint/2010/main" val="3148270851"/>
+        <p14:creationId xmlns:p14="http://schemas.microsoft.com/office/powerpoint/2010/main" val="2766580394"/>
       </p:ext>
     </p:extLst>
   </p:cSld>
@@ -2760,13 +3411,7 @@
       </p:grpSpPr>
       <p:sp>
         <p:nvSpPr>
-          <p:cNvPr id="2" name="標題版面配置區 1">
-            <a:extLst>
-              <a:ext uri="{FF2B5EF4-FFF2-40B4-BE49-F238E27FC236}">
-                <a16:creationId xmlns:a16="http://schemas.microsoft.com/office/drawing/2014/main" id="{B8575AAC-624C-4B52-ABD4-699B1E35D2CF}"/>
-              </a:ext>
-            </a:extLst>
-          </p:cNvPr>
+          <p:cNvPr id="2" name="Title Placeholder 1"/>
           <p:cNvSpPr>
             <a:spLocks noGrp="1"/>
           </p:cNvSpPr>
@@ -2793,18 +3438,13 @@
               <a:rPr lang="zh-TW" altLang="en-US"/>
               <a:t>按一下以編輯母片標題樣式</a:t>
             </a:r>
-          </a:p>
-        </p:txBody>
-      </p:sp>
-      <p:sp>
-        <p:nvSpPr>
-          <p:cNvPr id="3" name="文字版面配置區 2">
-            <a:extLst>
-              <a:ext uri="{FF2B5EF4-FFF2-40B4-BE49-F238E27FC236}">
-                <a16:creationId xmlns:a16="http://schemas.microsoft.com/office/drawing/2014/main" id="{76722991-C57D-471F-8271-C419A1CFB074}"/>
-              </a:ext>
-            </a:extLst>
-          </p:cNvPr>
+            <a:endParaRPr lang="en-US" dirty="0"/>
+          </a:p>
+        </p:txBody>
+      </p:sp>
+      <p:sp>
+        <p:nvSpPr>
+          <p:cNvPr id="3" name="Text Placeholder 2"/>
           <p:cNvSpPr>
             <a:spLocks noGrp="1"/>
           </p:cNvSpPr>
@@ -2860,18 +3500,13 @@
               <a:rPr lang="zh-TW" altLang="en-US"/>
               <a:t>第五層</a:t>
             </a:r>
-          </a:p>
-        </p:txBody>
-      </p:sp>
-      <p:sp>
-        <p:nvSpPr>
-          <p:cNvPr id="4" name="日期版面配置區 3">
-            <a:extLst>
-              <a:ext uri="{FF2B5EF4-FFF2-40B4-BE49-F238E27FC236}">
-                <a16:creationId xmlns:a16="http://schemas.microsoft.com/office/drawing/2014/main" id="{85C839DD-8CBF-4E23-A0C7-7C039E950BB8}"/>
-              </a:ext>
-            </a:extLst>
-          </p:cNvPr>
+            <a:endParaRPr lang="en-US" dirty="0"/>
+          </a:p>
+        </p:txBody>
+      </p:sp>
+      <p:sp>
+        <p:nvSpPr>
+          <p:cNvPr id="4" name="Date Placeholder 3"/>
           <p:cNvSpPr>
             <a:spLocks noGrp="1"/>
           </p:cNvSpPr>
@@ -2895,16 +3530,16 @@
               <a:defRPr sz="1200">
                 <a:solidFill>
                   <a:schemeClr val="tx1">
-                    <a:tint val="75000"/>
+                    <a:shade val="82000"/>
                   </a:schemeClr>
                 </a:solidFill>
               </a:defRPr>
             </a:lvl1pPr>
           </a:lstStyle>
           <a:p>
-            <a:fld id="{C3C90D7E-32D6-4894-AE08-7BBB3E610FC9}" type="datetimeFigureOut">
+            <a:fld id="{036F04D6-BFFA-4BED-806D-3290E51D8392}" type="datetimeFigureOut">
               <a:rPr lang="zh-TW" altLang="en-US" smtClean="0"/>
-              <a:t>2024/9/16</a:t>
+              <a:t>2024/10/21</a:t>
             </a:fld>
             <a:endParaRPr lang="zh-TW" altLang="en-US"/>
           </a:p>
@@ -2912,13 +3547,7 @@
       </p:sp>
       <p:sp>
         <p:nvSpPr>
-          <p:cNvPr id="5" name="頁尾版面配置區 4">
-            <a:extLst>
-              <a:ext uri="{FF2B5EF4-FFF2-40B4-BE49-F238E27FC236}">
-                <a16:creationId xmlns:a16="http://schemas.microsoft.com/office/drawing/2014/main" id="{12802D8A-77D4-418C-8190-43B6ADED2131}"/>
-              </a:ext>
-            </a:extLst>
-          </p:cNvPr>
+          <p:cNvPr id="5" name="Footer Placeholder 4"/>
           <p:cNvSpPr>
             <a:spLocks noGrp="1"/>
           </p:cNvSpPr>
@@ -2942,7 +3571,7 @@
               <a:defRPr sz="1200">
                 <a:solidFill>
                   <a:schemeClr val="tx1">
-                    <a:tint val="75000"/>
+                    <a:shade val="82000"/>
                   </a:schemeClr>
                 </a:solidFill>
               </a:defRPr>
@@ -2955,13 +3584,7 @@
       </p:sp>
       <p:sp>
         <p:nvSpPr>
-          <p:cNvPr id="6" name="投影片編號版面配置區 5">
-            <a:extLst>
-              <a:ext uri="{FF2B5EF4-FFF2-40B4-BE49-F238E27FC236}">
-                <a16:creationId xmlns:a16="http://schemas.microsoft.com/office/drawing/2014/main" id="{7072B55E-2BE2-4AF4-AFF8-2A716F492F1C}"/>
-              </a:ext>
-            </a:extLst>
-          </p:cNvPr>
+          <p:cNvPr id="6" name="Slide Number Placeholder 5"/>
           <p:cNvSpPr>
             <a:spLocks noGrp="1"/>
           </p:cNvSpPr>
@@ -2985,14 +3608,14 @@
               <a:defRPr sz="1200">
                 <a:solidFill>
                   <a:schemeClr val="tx1">
-                    <a:tint val="75000"/>
+                    <a:shade val="82000"/>
                   </a:schemeClr>
                 </a:solidFill>
               </a:defRPr>
             </a:lvl1pPr>
           </a:lstStyle>
           <a:p>
-            <a:fld id="{E31EC408-072F-4346-BD0A-D6AA5788A305}" type="slidenum">
+            <a:fld id="{624E4846-6CF2-4C57-95EB-1C536F24A66A}" type="slidenum">
               <a:rPr lang="zh-TW" altLang="en-US" smtClean="0"/>
               <a:t>‹#›</a:t>
             </a:fld>
@@ -3003,23 +3626,23 @@
     </p:spTree>
     <p:extLst>
       <p:ext uri="{BB962C8B-B14F-4D97-AF65-F5344CB8AC3E}">
-        <p14:creationId xmlns:p14="http://schemas.microsoft.com/office/powerpoint/2010/main" val="2016052060"/>
+        <p14:creationId xmlns:p14="http://schemas.microsoft.com/office/powerpoint/2010/main" val="4211866980"/>
       </p:ext>
     </p:extLst>
   </p:cSld>
-  <p:clrMap bg1="lt1" tx1="dk1" bg2="lt2" tx2="dk2" accent1="accent1" accent2="accent2" accent3="accent3" accent4="accent4" accent5="accent5" accent6="accent6" hlink="hlink" folHlink="folHlink"/>
+  <p:clrMap bg1="dk1" tx1="lt1" bg2="dk2" tx2="lt2" accent1="accent1" accent2="accent2" accent3="accent3" accent4="accent4" accent5="accent5" accent6="accent6" hlink="hlink" folHlink="folHlink"/>
   <p:sldLayoutIdLst>
-    <p:sldLayoutId id="2147483649" r:id="rId1"/>
-    <p:sldLayoutId id="2147483650" r:id="rId2"/>
-    <p:sldLayoutId id="2147483651" r:id="rId3"/>
-    <p:sldLayoutId id="2147483652" r:id="rId4"/>
-    <p:sldLayoutId id="2147483653" r:id="rId5"/>
-    <p:sldLayoutId id="2147483654" r:id="rId6"/>
-    <p:sldLayoutId id="2147483655" r:id="rId7"/>
-    <p:sldLayoutId id="2147483656" r:id="rId8"/>
-    <p:sldLayoutId id="2147483657" r:id="rId9"/>
-    <p:sldLayoutId id="2147483658" r:id="rId10"/>
-    <p:sldLayoutId id="2147483659" r:id="rId11"/>
+    <p:sldLayoutId id="2147483697" r:id="rId1"/>
+    <p:sldLayoutId id="2147483698" r:id="rId2"/>
+    <p:sldLayoutId id="2147483699" r:id="rId3"/>
+    <p:sldLayoutId id="2147483700" r:id="rId4"/>
+    <p:sldLayoutId id="2147483701" r:id="rId5"/>
+    <p:sldLayoutId id="2147483702" r:id="rId6"/>
+    <p:sldLayoutId id="2147483703" r:id="rId7"/>
+    <p:sldLayoutId id="2147483704" r:id="rId8"/>
+    <p:sldLayoutId id="2147483705" r:id="rId9"/>
+    <p:sldLayoutId id="2147483706" r:id="rId10"/>
+    <p:sldLayoutId id="2147483707" r:id="rId11"/>
   </p:sldLayoutIdLst>
   <p:txStyles>
     <p:titleStyle>
@@ -3207,7 +3830,7 @@
     </p:bodyStyle>
     <p:otherStyle>
       <a:defPPr>
-        <a:defRPr lang="zh-TW"/>
+        <a:defRPr lang="en-US"/>
       </a:defPPr>
       <a:lvl1pPr marL="0" algn="l" defTabSz="914400" rtl="0" eaLnBrk="1" latinLnBrk="0" hangingPunct="1">
         <a:defRPr sz="1800" kern="1200">
@@ -3326,7 +3949,7 @@
           <p:cNvPr id="2" name="標題 1">
             <a:extLst>
               <a:ext uri="{FF2B5EF4-FFF2-40B4-BE49-F238E27FC236}">
-                <a16:creationId xmlns:a16="http://schemas.microsoft.com/office/drawing/2014/main" id="{32532283-9F93-4E44-8138-32796965361F}"/>
+                <a16:creationId xmlns:a16="http://schemas.microsoft.com/office/drawing/2014/main" id="{38126D8A-E568-0D3B-AC4A-21D16548EE0A}"/>
               </a:ext>
             </a:extLst>
           </p:cNvPr>
@@ -3337,12 +3960,24 @@
             <p:ph type="ctrTitle"/>
           </p:nvPr>
         </p:nvSpPr>
-        <p:spPr/>
-        <p:txBody>
-          <a:bodyPr/>
-          <a:lstStyle/>
-          <a:p>
-            <a:endParaRPr lang="zh-TW" altLang="en-US"/>
+        <p:spPr>
+          <a:xfrm>
+            <a:off x="449345" y="745290"/>
+            <a:ext cx="6121138" cy="2387600"/>
+          </a:xfrm>
+        </p:spPr>
+        <p:txBody>
+          <a:bodyPr/>
+          <a:lstStyle/>
+          <a:p>
+            <a:r>
+              <a:rPr lang="zh-TW" altLang="en-US" dirty="0"/>
+              <a:t>冒險故事</a:t>
+            </a:r>
+            <a:br>
+              <a:rPr lang="en-US" altLang="zh-TW"/>
+            </a:br>
+            <a:endParaRPr lang="zh-TW" altLang="en-US" dirty="0"/>
           </a:p>
         </p:txBody>
       </p:sp>
@@ -3351,7 +3986,7 @@
           <p:cNvPr id="3" name="副標題 2">
             <a:extLst>
               <a:ext uri="{FF2B5EF4-FFF2-40B4-BE49-F238E27FC236}">
-                <a16:creationId xmlns:a16="http://schemas.microsoft.com/office/drawing/2014/main" id="{8C946F38-524D-4B98-B9CB-80AEE57E455A}"/>
+                <a16:creationId xmlns:a16="http://schemas.microsoft.com/office/drawing/2014/main" id="{2CEB6E2B-596F-9DF0-9F77-659C231251B1}"/>
               </a:ext>
             </a:extLst>
           </p:cNvPr>
@@ -3367,14 +4002,740 @@
           <a:bodyPr/>
           <a:lstStyle/>
           <a:p>
-            <a:endParaRPr lang="zh-TW" altLang="en-US"/>
+            <a:endParaRPr lang="zh-TW" altLang="en-US" dirty="0"/>
           </a:p>
         </p:txBody>
       </p:sp>
     </p:spTree>
     <p:extLst>
       <p:ext uri="{BB962C8B-B14F-4D97-AF65-F5344CB8AC3E}">
-        <p14:creationId xmlns:p14="http://schemas.microsoft.com/office/powerpoint/2010/main" val="1328321055"/>
+        <p14:creationId xmlns:p14="http://schemas.microsoft.com/office/powerpoint/2010/main" val="1313767590"/>
+      </p:ext>
+    </p:extLst>
+  </p:cSld>
+  <p:clrMapOvr>
+    <a:masterClrMapping/>
+  </p:clrMapOvr>
+</p:sld>
+</file>
+
+<file path=ppt/slides/slide2.xml><?xml version="1.0" encoding="utf-8"?>
+<p:sld xmlns:a="http://schemas.openxmlformats.org/drawingml/2006/main" xmlns:r="http://schemas.openxmlformats.org/officeDocument/2006/relationships" xmlns:p="http://schemas.openxmlformats.org/presentationml/2006/main">
+  <p:cSld>
+    <p:spTree>
+      <p:nvGrpSpPr>
+        <p:cNvPr id="1" name=""/>
+        <p:cNvGrpSpPr/>
+        <p:nvPr/>
+      </p:nvGrpSpPr>
+      <p:grpSpPr>
+        <a:xfrm>
+          <a:off x="0" y="0"/>
+          <a:ext cx="0" cy="0"/>
+          <a:chOff x="0" y="0"/>
+          <a:chExt cx="0" cy="0"/>
+        </a:xfrm>
+      </p:grpSpPr>
+      <p:sp>
+        <p:nvSpPr>
+          <p:cNvPr id="2" name="文字方塊 1">
+            <a:extLst>
+              <a:ext uri="{FF2B5EF4-FFF2-40B4-BE49-F238E27FC236}">
+                <a16:creationId xmlns:a16="http://schemas.microsoft.com/office/drawing/2014/main" id="{A2AA7794-E238-9DD5-9EEA-E1FDA5B87F8C}"/>
+              </a:ext>
+            </a:extLst>
+          </p:cNvPr>
+          <p:cNvSpPr txBox="1"/>
+          <p:nvPr/>
+        </p:nvSpPr>
+        <p:spPr>
+          <a:xfrm>
+            <a:off x="1119980" y="138546"/>
+            <a:ext cx="3803001" cy="1107996"/>
+          </a:xfrm>
+          <a:prstGeom prst="rect">
+            <a:avLst/>
+          </a:prstGeom>
+          <a:noFill/>
+        </p:spPr>
+        <p:txBody>
+          <a:bodyPr wrap="square" rtlCol="0">
+            <a:spAutoFit/>
+          </a:bodyPr>
+          <a:lstStyle/>
+          <a:p>
+            <a:r>
+              <a:rPr lang="en-US" altLang="zh-TW" sz="6600" dirty="0"/>
+              <a:t>1.</a:t>
+            </a:r>
+            <a:r>
+              <a:rPr lang="zh-TW" altLang="en-US" sz="6600" dirty="0"/>
+              <a:t>目標</a:t>
+            </a:r>
+          </a:p>
+        </p:txBody>
+      </p:sp>
+      <p:pic>
+        <p:nvPicPr>
+          <p:cNvPr id="6" name="圖片 5" descr="一張含有 服裝, 人員, 傢俱, 資料表 的圖片&#10;&#10;自動產生的描述">
+            <a:extLst>
+              <a:ext uri="{FF2B5EF4-FFF2-40B4-BE49-F238E27FC236}">
+                <a16:creationId xmlns:a16="http://schemas.microsoft.com/office/drawing/2014/main" id="{1526C50D-538F-C270-E785-CA3867F4F6C5}"/>
+              </a:ext>
+            </a:extLst>
+          </p:cNvPr>
+          <p:cNvPicPr>
+            <a:picLocks noChangeAspect="1"/>
+          </p:cNvPicPr>
+          <p:nvPr/>
+        </p:nvPicPr>
+        <p:blipFill>
+          <a:blip r:embed="rId3"/>
+          <a:stretch>
+            <a:fillRect/>
+          </a:stretch>
+        </p:blipFill>
+        <p:spPr>
+          <a:xfrm>
+            <a:off x="1224699" y="1246542"/>
+            <a:ext cx="5283724" cy="5283724"/>
+          </a:xfrm>
+          <a:prstGeom prst="rect">
+            <a:avLst/>
+          </a:prstGeom>
+        </p:spPr>
+      </p:pic>
+    </p:spTree>
+    <p:extLst>
+      <p:ext uri="{BB962C8B-B14F-4D97-AF65-F5344CB8AC3E}">
+        <p14:creationId xmlns:p14="http://schemas.microsoft.com/office/powerpoint/2010/main" val="1385743089"/>
+      </p:ext>
+    </p:extLst>
+  </p:cSld>
+  <p:clrMapOvr>
+    <a:masterClrMapping/>
+  </p:clrMapOvr>
+  <mc:AlternateContent xmlns:mc="http://schemas.openxmlformats.org/markup-compatibility/2006">
+    <mc:Choice xmlns:p14="http://schemas.microsoft.com/office/powerpoint/2010/main" Requires="p14">
+      <p:transition spd="med" p14:dur="700">
+        <p:fade/>
+      </p:transition>
+    </mc:Choice>
+    <mc:Fallback>
+      <p:transition spd="med">
+        <p:fade/>
+      </p:transition>
+    </mc:Fallback>
+  </mc:AlternateContent>
+</p:sld>
+</file>
+
+<file path=ppt/slides/slide3.xml><?xml version="1.0" encoding="utf-8"?>
+<p:sld xmlns:a="http://schemas.openxmlformats.org/drawingml/2006/main" xmlns:r="http://schemas.openxmlformats.org/officeDocument/2006/relationships" xmlns:p="http://schemas.openxmlformats.org/presentationml/2006/main">
+  <p:cSld>
+    <p:spTree>
+      <p:nvGrpSpPr>
+        <p:cNvPr id="1" name=""/>
+        <p:cNvGrpSpPr/>
+        <p:nvPr/>
+      </p:nvGrpSpPr>
+      <p:grpSpPr>
+        <a:xfrm>
+          <a:off x="0" y="0"/>
+          <a:ext cx="0" cy="0"/>
+          <a:chOff x="0" y="0"/>
+          <a:chExt cx="0" cy="0"/>
+        </a:xfrm>
+      </p:grpSpPr>
+      <p:sp>
+        <p:nvSpPr>
+          <p:cNvPr id="2" name="文字方塊 1">
+            <a:extLst>
+              <a:ext uri="{FF2B5EF4-FFF2-40B4-BE49-F238E27FC236}">
+                <a16:creationId xmlns:a16="http://schemas.microsoft.com/office/drawing/2014/main" id="{AB135FA5-3D9F-E206-0987-FB57E76149EF}"/>
+              </a:ext>
+            </a:extLst>
+          </p:cNvPr>
+          <p:cNvSpPr txBox="1"/>
+          <p:nvPr/>
+        </p:nvSpPr>
+        <p:spPr>
+          <a:xfrm>
+            <a:off x="1189204" y="92363"/>
+            <a:ext cx="4001631" cy="1107996"/>
+          </a:xfrm>
+          <a:prstGeom prst="rect">
+            <a:avLst/>
+          </a:prstGeom>
+          <a:noFill/>
+        </p:spPr>
+        <p:txBody>
+          <a:bodyPr wrap="square" rtlCol="0">
+            <a:spAutoFit/>
+          </a:bodyPr>
+          <a:lstStyle/>
+          <a:p>
+            <a:r>
+              <a:rPr lang="en-US" altLang="zh-TW" sz="6600" dirty="0"/>
+              <a:t>2.</a:t>
+            </a:r>
+            <a:r>
+              <a:rPr lang="zh-TW" altLang="en-US" sz="6600" dirty="0"/>
+              <a:t>阻礙</a:t>
+            </a:r>
+          </a:p>
+        </p:txBody>
+      </p:sp>
+      <p:pic>
+        <p:nvPicPr>
+          <p:cNvPr id="4" name="圖片 3" descr="一張含有 日本動畫, 電腦, 服裝, 筆記型電腦 的圖片&#10;&#10;自動產生的描述">
+            <a:extLst>
+              <a:ext uri="{FF2B5EF4-FFF2-40B4-BE49-F238E27FC236}">
+                <a16:creationId xmlns:a16="http://schemas.microsoft.com/office/drawing/2014/main" id="{23ED0180-E5BC-75D0-B227-43DABC9E022B}"/>
+              </a:ext>
+            </a:extLst>
+          </p:cNvPr>
+          <p:cNvPicPr>
+            <a:picLocks noChangeAspect="1"/>
+          </p:cNvPicPr>
+          <p:nvPr/>
+        </p:nvPicPr>
+        <p:blipFill>
+          <a:blip r:embed="rId3"/>
+          <a:stretch>
+            <a:fillRect/>
+          </a:stretch>
+        </p:blipFill>
+        <p:spPr>
+          <a:xfrm>
+            <a:off x="1326610" y="1299409"/>
+            <a:ext cx="5342021" cy="5342021"/>
+          </a:xfrm>
+          <a:prstGeom prst="rect">
+            <a:avLst/>
+          </a:prstGeom>
+        </p:spPr>
+      </p:pic>
+    </p:spTree>
+    <p:extLst>
+      <p:ext uri="{BB962C8B-B14F-4D97-AF65-F5344CB8AC3E}">
+        <p14:creationId xmlns:p14="http://schemas.microsoft.com/office/powerpoint/2010/main" val="3241380977"/>
+      </p:ext>
+    </p:extLst>
+  </p:cSld>
+  <p:clrMapOvr>
+    <a:masterClrMapping/>
+  </p:clrMapOvr>
+  <p:transition spd="slow">
+    <p:push dir="u"/>
+  </p:transition>
+</p:sld>
+</file>
+
+<file path=ppt/slides/slide4.xml><?xml version="1.0" encoding="utf-8"?>
+<p:sld xmlns:a="http://schemas.openxmlformats.org/drawingml/2006/main" xmlns:r="http://schemas.openxmlformats.org/officeDocument/2006/relationships" xmlns:p="http://schemas.openxmlformats.org/presentationml/2006/main">
+  <p:cSld>
+    <p:spTree>
+      <p:nvGrpSpPr>
+        <p:cNvPr id="1" name=""/>
+        <p:cNvGrpSpPr/>
+        <p:nvPr/>
+      </p:nvGrpSpPr>
+      <p:grpSpPr>
+        <a:xfrm>
+          <a:off x="0" y="0"/>
+          <a:ext cx="0" cy="0"/>
+          <a:chOff x="0" y="0"/>
+          <a:chExt cx="0" cy="0"/>
+        </a:xfrm>
+      </p:grpSpPr>
+      <p:sp>
+        <p:nvSpPr>
+          <p:cNvPr id="2" name="文字方塊 1">
+            <a:extLst>
+              <a:ext uri="{FF2B5EF4-FFF2-40B4-BE49-F238E27FC236}">
+                <a16:creationId xmlns:a16="http://schemas.microsoft.com/office/drawing/2014/main" id="{21DF27E3-3E85-4829-A3B2-BB02C3559BC2}"/>
+              </a:ext>
+            </a:extLst>
+          </p:cNvPr>
+          <p:cNvSpPr txBox="1"/>
+          <p:nvPr/>
+        </p:nvSpPr>
+        <p:spPr>
+          <a:xfrm>
+            <a:off x="1158259" y="0"/>
+            <a:ext cx="3672359" cy="1107996"/>
+          </a:xfrm>
+          <a:prstGeom prst="rect">
+            <a:avLst/>
+          </a:prstGeom>
+          <a:noFill/>
+        </p:spPr>
+        <p:txBody>
+          <a:bodyPr wrap="square" rtlCol="0">
+            <a:spAutoFit/>
+          </a:bodyPr>
+          <a:lstStyle/>
+          <a:p>
+            <a:r>
+              <a:rPr lang="en-US" altLang="zh-TW" sz="6600" dirty="0"/>
+              <a:t>3.</a:t>
+            </a:r>
+            <a:r>
+              <a:rPr lang="zh-TW" altLang="en-US" sz="6600" dirty="0"/>
+              <a:t>努力</a:t>
+            </a:r>
+          </a:p>
+        </p:txBody>
+      </p:sp>
+      <p:pic>
+        <p:nvPicPr>
+          <p:cNvPr id="4" name="圖片 3" descr="一張含有 日本動畫, 卡通, 虛構角色, 電腦繪圖藝術品 的圖片&#10;&#10;自動產生的描述">
+            <a:extLst>
+              <a:ext uri="{FF2B5EF4-FFF2-40B4-BE49-F238E27FC236}">
+                <a16:creationId xmlns:a16="http://schemas.microsoft.com/office/drawing/2014/main" id="{BD78E9E3-B576-9226-B058-4E2FDDAFE12B}"/>
+              </a:ext>
+            </a:extLst>
+          </p:cNvPr>
+          <p:cNvPicPr>
+            <a:picLocks noChangeAspect="1"/>
+          </p:cNvPicPr>
+          <p:nvPr/>
+        </p:nvPicPr>
+        <p:blipFill>
+          <a:blip r:embed="rId3"/>
+          <a:stretch>
+            <a:fillRect/>
+          </a:stretch>
+        </p:blipFill>
+        <p:spPr>
+          <a:xfrm>
+            <a:off x="1391653" y="1227221"/>
+            <a:ext cx="5257800" cy="5257800"/>
+          </a:xfrm>
+          <a:prstGeom prst="rect">
+            <a:avLst/>
+          </a:prstGeom>
+        </p:spPr>
+      </p:pic>
+    </p:spTree>
+    <p:extLst>
+      <p:ext uri="{BB962C8B-B14F-4D97-AF65-F5344CB8AC3E}">
+        <p14:creationId xmlns:p14="http://schemas.microsoft.com/office/powerpoint/2010/main" val="1003672708"/>
+      </p:ext>
+    </p:extLst>
+  </p:cSld>
+  <p:clrMapOvr>
+    <a:masterClrMapping/>
+  </p:clrMapOvr>
+  <p:transition spd="slow">
+    <p:wipe/>
+  </p:transition>
+</p:sld>
+</file>
+
+<file path=ppt/slides/slide5.xml><?xml version="1.0" encoding="utf-8"?>
+<p:sld xmlns:a="http://schemas.openxmlformats.org/drawingml/2006/main" xmlns:r="http://schemas.openxmlformats.org/officeDocument/2006/relationships" xmlns:p="http://schemas.openxmlformats.org/presentationml/2006/main">
+  <p:cSld>
+    <p:spTree>
+      <p:nvGrpSpPr>
+        <p:cNvPr id="1" name=""/>
+        <p:cNvGrpSpPr/>
+        <p:nvPr/>
+      </p:nvGrpSpPr>
+      <p:grpSpPr>
+        <a:xfrm>
+          <a:off x="0" y="0"/>
+          <a:ext cx="0" cy="0"/>
+          <a:chOff x="0" y="0"/>
+          <a:chExt cx="0" cy="0"/>
+        </a:xfrm>
+      </p:grpSpPr>
+      <p:sp>
+        <p:nvSpPr>
+          <p:cNvPr id="2" name="文字方塊 1">
+            <a:extLst>
+              <a:ext uri="{FF2B5EF4-FFF2-40B4-BE49-F238E27FC236}">
+                <a16:creationId xmlns:a16="http://schemas.microsoft.com/office/drawing/2014/main" id="{DDB6571E-28BF-517D-9695-701CB34DA58F}"/>
+              </a:ext>
+            </a:extLst>
+          </p:cNvPr>
+          <p:cNvSpPr txBox="1"/>
+          <p:nvPr/>
+        </p:nvSpPr>
+        <p:spPr>
+          <a:xfrm>
+            <a:off x="934681" y="0"/>
+            <a:ext cx="3544954" cy="1107996"/>
+          </a:xfrm>
+          <a:prstGeom prst="rect">
+            <a:avLst/>
+          </a:prstGeom>
+          <a:noFill/>
+        </p:spPr>
+        <p:txBody>
+          <a:bodyPr wrap="square" rtlCol="0">
+            <a:spAutoFit/>
+          </a:bodyPr>
+          <a:lstStyle/>
+          <a:p>
+            <a:r>
+              <a:rPr lang="en-US" altLang="zh-TW" sz="6600" dirty="0"/>
+              <a:t>4.</a:t>
+            </a:r>
+            <a:r>
+              <a:rPr lang="zh-TW" altLang="en-US" sz="6600" dirty="0"/>
+              <a:t>結果</a:t>
+            </a:r>
+          </a:p>
+        </p:txBody>
+      </p:sp>
+      <p:pic>
+        <p:nvPicPr>
+          <p:cNvPr id="5" name="圖片 4" descr="一張含有 日本動畫, 卡通, 虛構角色, 電腦繪圖藝術品 的圖片&#10;&#10;自動產生的描述">
+            <a:extLst>
+              <a:ext uri="{FF2B5EF4-FFF2-40B4-BE49-F238E27FC236}">
+                <a16:creationId xmlns:a16="http://schemas.microsoft.com/office/drawing/2014/main" id="{F3BF78D5-EA50-99FE-BE54-4A85583D0625}"/>
+              </a:ext>
+            </a:extLst>
+          </p:cNvPr>
+          <p:cNvPicPr>
+            <a:picLocks noChangeAspect="1"/>
+          </p:cNvPicPr>
+          <p:nvPr/>
+        </p:nvPicPr>
+        <p:blipFill>
+          <a:blip r:embed="rId3"/>
+          <a:stretch>
+            <a:fillRect/>
+          </a:stretch>
+        </p:blipFill>
+        <p:spPr>
+          <a:xfrm>
+            <a:off x="934681" y="1165233"/>
+            <a:ext cx="5598695" cy="5598695"/>
+          </a:xfrm>
+          <a:prstGeom prst="rect">
+            <a:avLst/>
+          </a:prstGeom>
+        </p:spPr>
+      </p:pic>
+    </p:spTree>
+    <p:extLst>
+      <p:ext uri="{BB962C8B-B14F-4D97-AF65-F5344CB8AC3E}">
+        <p14:creationId xmlns:p14="http://schemas.microsoft.com/office/powerpoint/2010/main" val="2431817695"/>
+      </p:ext>
+    </p:extLst>
+  </p:cSld>
+  <p:clrMapOvr>
+    <a:masterClrMapping/>
+  </p:clrMapOvr>
+  <mc:AlternateContent xmlns:mc="http://schemas.openxmlformats.org/markup-compatibility/2006">
+    <mc:Choice xmlns:p14="http://schemas.microsoft.com/office/powerpoint/2010/main" Requires="p14">
+      <p:transition spd="slow" p14:dur="1500">
+        <p:split orient="vert"/>
+      </p:transition>
+    </mc:Choice>
+    <mc:Fallback>
+      <p:transition spd="slow">
+        <p:split orient="vert"/>
+      </p:transition>
+    </mc:Fallback>
+  </mc:AlternateContent>
+</p:sld>
+</file>
+
+<file path=ppt/slides/slide6.xml><?xml version="1.0" encoding="utf-8"?>
+<p:sld xmlns:a="http://schemas.openxmlformats.org/drawingml/2006/main" xmlns:r="http://schemas.openxmlformats.org/officeDocument/2006/relationships" xmlns:p="http://schemas.openxmlformats.org/presentationml/2006/main">
+  <p:cSld>
+    <p:spTree>
+      <p:nvGrpSpPr>
+        <p:cNvPr id="1" name=""/>
+        <p:cNvGrpSpPr/>
+        <p:nvPr/>
+      </p:nvGrpSpPr>
+      <p:grpSpPr>
+        <a:xfrm>
+          <a:off x="0" y="0"/>
+          <a:ext cx="0" cy="0"/>
+          <a:chOff x="0" y="0"/>
+          <a:chExt cx="0" cy="0"/>
+        </a:xfrm>
+      </p:grpSpPr>
+      <p:sp>
+        <p:nvSpPr>
+          <p:cNvPr id="2" name="文字方塊 1">
+            <a:extLst>
+              <a:ext uri="{FF2B5EF4-FFF2-40B4-BE49-F238E27FC236}">
+                <a16:creationId xmlns:a16="http://schemas.microsoft.com/office/drawing/2014/main" id="{817C7F56-22B4-6E7E-13ED-FC634ABBE280}"/>
+              </a:ext>
+            </a:extLst>
+          </p:cNvPr>
+          <p:cNvSpPr txBox="1"/>
+          <p:nvPr/>
+        </p:nvSpPr>
+        <p:spPr>
+          <a:xfrm>
+            <a:off x="969819" y="0"/>
+            <a:ext cx="3482109" cy="923330"/>
+          </a:xfrm>
+          <a:prstGeom prst="rect">
+            <a:avLst/>
+          </a:prstGeom>
+          <a:noFill/>
+        </p:spPr>
+        <p:txBody>
+          <a:bodyPr wrap="square" rtlCol="0">
+            <a:spAutoFit/>
+          </a:bodyPr>
+          <a:lstStyle/>
+          <a:p>
+            <a:r>
+              <a:rPr lang="en-US" altLang="zh-TW" sz="5400" dirty="0"/>
+              <a:t>5.</a:t>
+            </a:r>
+            <a:r>
+              <a:rPr lang="zh-TW" altLang="en-US" sz="5400" dirty="0"/>
+              <a:t>意外</a:t>
+            </a:r>
+          </a:p>
+        </p:txBody>
+      </p:sp>
+      <p:pic>
+        <p:nvPicPr>
+          <p:cNvPr id="4" name="圖片 3" descr="一張含有 球, 日本動畫, 卡通, 服裝 的圖片&#10;&#10;自動產生的描述">
+            <a:extLst>
+              <a:ext uri="{FF2B5EF4-FFF2-40B4-BE49-F238E27FC236}">
+                <a16:creationId xmlns:a16="http://schemas.microsoft.com/office/drawing/2014/main" id="{224CE5F4-C27E-69D9-3B6D-8BA051543BF3}"/>
+              </a:ext>
+            </a:extLst>
+          </p:cNvPr>
+          <p:cNvPicPr>
+            <a:picLocks noChangeAspect="1"/>
+          </p:cNvPicPr>
+          <p:nvPr/>
+        </p:nvPicPr>
+        <p:blipFill>
+          <a:blip r:embed="rId3"/>
+          <a:stretch>
+            <a:fillRect/>
+          </a:stretch>
+        </p:blipFill>
+        <p:spPr>
+          <a:xfrm>
+            <a:off x="969819" y="923330"/>
+            <a:ext cx="5934670" cy="5934670"/>
+          </a:xfrm>
+          <a:prstGeom prst="rect">
+            <a:avLst/>
+          </a:prstGeom>
+        </p:spPr>
+      </p:pic>
+    </p:spTree>
+    <p:extLst>
+      <p:ext uri="{BB962C8B-B14F-4D97-AF65-F5344CB8AC3E}">
+        <p14:creationId xmlns:p14="http://schemas.microsoft.com/office/powerpoint/2010/main" val="3061930524"/>
+      </p:ext>
+    </p:extLst>
+  </p:cSld>
+  <p:clrMapOvr>
+    <a:masterClrMapping/>
+  </p:clrMapOvr>
+  <p:transition spd="slow">
+    <p:randomBar dir="vert"/>
+  </p:transition>
+</p:sld>
+</file>
+
+<file path=ppt/slides/slide7.xml><?xml version="1.0" encoding="utf-8"?>
+<p:sld xmlns:a="http://schemas.openxmlformats.org/drawingml/2006/main" xmlns:r="http://schemas.openxmlformats.org/officeDocument/2006/relationships" xmlns:p="http://schemas.openxmlformats.org/presentationml/2006/main">
+  <p:cSld>
+    <p:spTree>
+      <p:nvGrpSpPr>
+        <p:cNvPr id="1" name=""/>
+        <p:cNvGrpSpPr/>
+        <p:nvPr/>
+      </p:nvGrpSpPr>
+      <p:grpSpPr>
+        <a:xfrm>
+          <a:off x="0" y="0"/>
+          <a:ext cx="0" cy="0"/>
+          <a:chOff x="0" y="0"/>
+          <a:chExt cx="0" cy="0"/>
+        </a:xfrm>
+      </p:grpSpPr>
+      <p:sp>
+        <p:nvSpPr>
+          <p:cNvPr id="2" name="文字方塊 1">
+            <a:extLst>
+              <a:ext uri="{FF2B5EF4-FFF2-40B4-BE49-F238E27FC236}">
+                <a16:creationId xmlns:a16="http://schemas.microsoft.com/office/drawing/2014/main" id="{8B3B129E-58A1-3ACC-BD32-CE48791D59A0}"/>
+              </a:ext>
+            </a:extLst>
+          </p:cNvPr>
+          <p:cNvSpPr txBox="1"/>
+          <p:nvPr/>
+        </p:nvSpPr>
+        <p:spPr>
+          <a:xfrm>
+            <a:off x="1110553" y="0"/>
+            <a:ext cx="3369083" cy="1107996"/>
+          </a:xfrm>
+          <a:prstGeom prst="rect">
+            <a:avLst/>
+          </a:prstGeom>
+          <a:noFill/>
+        </p:spPr>
+        <p:txBody>
+          <a:bodyPr wrap="square" rtlCol="0">
+            <a:spAutoFit/>
+          </a:bodyPr>
+          <a:lstStyle/>
+          <a:p>
+            <a:r>
+              <a:rPr lang="en-US" altLang="zh-TW" sz="6600" dirty="0"/>
+              <a:t>6.</a:t>
+            </a:r>
+            <a:r>
+              <a:rPr lang="zh-TW" altLang="en-US" sz="6600" dirty="0"/>
+              <a:t>轉彎</a:t>
+            </a:r>
+          </a:p>
+        </p:txBody>
+      </p:sp>
+      <p:pic>
+        <p:nvPicPr>
+          <p:cNvPr id="5" name="圖片 4" descr="一張含有 日本動畫, 服裝, 卡通, 動畫卡通 的圖片&#10;&#10;自動產生的描述">
+            <a:extLst>
+              <a:ext uri="{FF2B5EF4-FFF2-40B4-BE49-F238E27FC236}">
+                <a16:creationId xmlns:a16="http://schemas.microsoft.com/office/drawing/2014/main" id="{F2BDF45F-B174-F28E-4B53-A97F7F40E892}"/>
+              </a:ext>
+            </a:extLst>
+          </p:cNvPr>
+          <p:cNvPicPr>
+            <a:picLocks noChangeAspect="1"/>
+          </p:cNvPicPr>
+          <p:nvPr/>
+        </p:nvPicPr>
+        <p:blipFill>
+          <a:blip r:embed="rId3"/>
+          <a:stretch>
+            <a:fillRect/>
+          </a:stretch>
+        </p:blipFill>
+        <p:spPr>
+          <a:xfrm>
+            <a:off x="1247273" y="1107996"/>
+            <a:ext cx="5498432" cy="5498432"/>
+          </a:xfrm>
+          <a:prstGeom prst="rect">
+            <a:avLst/>
+          </a:prstGeom>
+        </p:spPr>
+      </p:pic>
+    </p:spTree>
+    <p:extLst>
+      <p:ext uri="{BB962C8B-B14F-4D97-AF65-F5344CB8AC3E}">
+        <p14:creationId xmlns:p14="http://schemas.microsoft.com/office/powerpoint/2010/main" val="1306198115"/>
+      </p:ext>
+    </p:extLst>
+  </p:cSld>
+  <p:clrMapOvr>
+    <a:masterClrMapping/>
+  </p:clrMapOvr>
+</p:sld>
+</file>
+
+<file path=ppt/slides/slide8.xml><?xml version="1.0" encoding="utf-8"?>
+<p:sld xmlns:a="http://schemas.openxmlformats.org/drawingml/2006/main" xmlns:r="http://schemas.openxmlformats.org/officeDocument/2006/relationships" xmlns:p="http://schemas.openxmlformats.org/presentationml/2006/main">
+  <p:cSld>
+    <p:spTree>
+      <p:nvGrpSpPr>
+        <p:cNvPr id="1" name=""/>
+        <p:cNvGrpSpPr/>
+        <p:nvPr/>
+      </p:nvGrpSpPr>
+      <p:grpSpPr>
+        <a:xfrm>
+          <a:off x="0" y="0"/>
+          <a:ext cx="0" cy="0"/>
+          <a:chOff x="0" y="0"/>
+          <a:chExt cx="0" cy="0"/>
+        </a:xfrm>
+      </p:grpSpPr>
+      <p:sp>
+        <p:nvSpPr>
+          <p:cNvPr id="2" name="文字方塊 1">
+            <a:extLst>
+              <a:ext uri="{FF2B5EF4-FFF2-40B4-BE49-F238E27FC236}">
+                <a16:creationId xmlns:a16="http://schemas.microsoft.com/office/drawing/2014/main" id="{E1BEE3DA-8383-01AB-A441-F785631D4D49}"/>
+              </a:ext>
+            </a:extLst>
+          </p:cNvPr>
+          <p:cNvSpPr txBox="1"/>
+          <p:nvPr/>
+        </p:nvSpPr>
+        <p:spPr>
+          <a:xfrm>
+            <a:off x="880620" y="-82658"/>
+            <a:ext cx="3746798" cy="1107996"/>
+          </a:xfrm>
+          <a:prstGeom prst="rect">
+            <a:avLst/>
+          </a:prstGeom>
+          <a:noFill/>
+        </p:spPr>
+        <p:txBody>
+          <a:bodyPr wrap="square" rtlCol="0">
+            <a:spAutoFit/>
+          </a:bodyPr>
+          <a:lstStyle/>
+          <a:p>
+            <a:r>
+              <a:rPr lang="en-US" altLang="zh-TW" sz="6600" dirty="0"/>
+              <a:t>7.</a:t>
+            </a:r>
+            <a:r>
+              <a:rPr lang="zh-TW" altLang="en-US" sz="6600" dirty="0"/>
+              <a:t>結局</a:t>
+            </a:r>
+          </a:p>
+        </p:txBody>
+      </p:sp>
+      <p:pic>
+        <p:nvPicPr>
+          <p:cNvPr id="8" name="圖片 7" descr="一張含有 日本動畫, 卡通, 服裝, 虛構角色 的圖片&#10;&#10;自動產生的描述">
+            <a:extLst>
+              <a:ext uri="{FF2B5EF4-FFF2-40B4-BE49-F238E27FC236}">
+                <a16:creationId xmlns:a16="http://schemas.microsoft.com/office/drawing/2014/main" id="{3DE47B0C-CDE7-BF76-AE78-0957BF59CD5F}"/>
+              </a:ext>
+            </a:extLst>
+          </p:cNvPr>
+          <p:cNvPicPr>
+            <a:picLocks noChangeAspect="1"/>
+          </p:cNvPicPr>
+          <p:nvPr/>
+        </p:nvPicPr>
+        <p:blipFill>
+          <a:blip r:embed="rId3"/>
+          <a:stretch>
+            <a:fillRect/>
+          </a:stretch>
+        </p:blipFill>
+        <p:spPr>
+          <a:xfrm>
+            <a:off x="880620" y="952107"/>
+            <a:ext cx="5434553" cy="5434553"/>
+          </a:xfrm>
+          <a:prstGeom prst="rect">
+            <a:avLst/>
+          </a:prstGeom>
+        </p:spPr>
+      </p:pic>
+    </p:spTree>
+    <p:extLst>
+      <p:ext uri="{BB962C8B-B14F-4D97-AF65-F5344CB8AC3E}">
+        <p14:creationId xmlns:p14="http://schemas.microsoft.com/office/powerpoint/2010/main" val="4208330102"/>
       </p:ext>
     </p:extLst>
   </p:cSld>
@@ -3385,9 +4746,9 @@
 </file>
 
 <file path=ppt/theme/theme1.xml><?xml version="1.0" encoding="utf-8"?>
-<a:theme xmlns:a="http://schemas.openxmlformats.org/drawingml/2006/main" name="Office 佈景主題">
+<a:theme xmlns:a="http://schemas.openxmlformats.org/drawingml/2006/main" name="Office Theme">
   <a:themeElements>
-    <a:clrScheme name="Office">
+    <a:clrScheme name="Office 佈景主題">
       <a:dk1>
         <a:sysClr val="windowText" lastClr="000000"/>
       </a:dk1>
@@ -3395,39 +4756,39 @@
         <a:sysClr val="window" lastClr="FFFFFF"/>
       </a:lt1>
       <a:dk2>
-        <a:srgbClr val="44546A"/>
+        <a:srgbClr val="0E2841"/>
       </a:dk2>
       <a:lt2>
-        <a:srgbClr val="E7E6E6"/>
+        <a:srgbClr val="E8E8E8"/>
       </a:lt2>
       <a:accent1>
-        <a:srgbClr val="4472C4"/>
+        <a:srgbClr val="156082"/>
       </a:accent1>
       <a:accent2>
-        <a:srgbClr val="ED7D31"/>
+        <a:srgbClr val="E97132"/>
       </a:accent2>
       <a:accent3>
-        <a:srgbClr val="A5A5A5"/>
+        <a:srgbClr val="196B24"/>
       </a:accent3>
       <a:accent4>
-        <a:srgbClr val="FFC000"/>
+        <a:srgbClr val="0F9ED5"/>
       </a:accent4>
       <a:accent5>
-        <a:srgbClr val="5B9BD5"/>
+        <a:srgbClr val="A02B93"/>
       </a:accent5>
       <a:accent6>
-        <a:srgbClr val="70AD47"/>
+        <a:srgbClr val="4EA72E"/>
       </a:accent6>
       <a:hlink>
-        <a:srgbClr val="0563C1"/>
+        <a:srgbClr val="538D9D"/>
       </a:hlink>
       <a:folHlink>
-        <a:srgbClr val="954F72"/>
+        <a:srgbClr val="A5738E"/>
       </a:folHlink>
     </a:clrScheme>
-    <a:fontScheme name="Office">
+    <a:fontScheme name="Office 佈景主題">
       <a:majorFont>
-        <a:latin typeface="Calibri Light" panose="020F0302020204030204"/>
+        <a:latin typeface="Aptos Display" panose="02110004020202020204"/>
         <a:ea typeface=""/>
         <a:cs typeface=""/>
         <a:font script="Jpan" typeface="游ゴシック Light"/>
@@ -3479,7 +4840,322 @@
         <a:font script="Tfng" typeface="Ebrima"/>
       </a:majorFont>
       <a:minorFont>
-        <a:latin typeface="Calibri" panose="020F0502020204030204"/>
+        <a:latin typeface="Aptos" panose="02110004020202020204"/>
+        <a:ea typeface=""/>
+        <a:cs typeface=""/>
+        <a:font script="Jpan" typeface="游ゴシック"/>
+        <a:font script="Hang" typeface="맑은 고딕"/>
+        <a:font script="Hans" typeface="等线"/>
+        <a:font script="Hant" typeface="新細明體"/>
+        <a:font script="Arab" typeface="Arial"/>
+        <a:font script="Hebr" typeface="Arial"/>
+        <a:font script="Thai" typeface="Cordia New"/>
+        <a:font script="Ethi" typeface="Nyala"/>
+        <a:font script="Beng" typeface="Vrinda"/>
+        <a:font script="Gujr" typeface="Shruti"/>
+        <a:font script="Khmr" typeface="DaunPenh"/>
+        <a:font script="Knda" typeface="Tunga"/>
+        <a:font script="Guru" typeface="Raavi"/>
+        <a:font script="Cans" typeface="Euphemia"/>
+        <a:font script="Cher" typeface="Plantagenet Cherokee"/>
+        <a:font script="Yiii" typeface="Microsoft Yi Baiti"/>
+        <a:font script="Tibt" typeface="Microsoft Himalaya"/>
+        <a:font script="Thaa" typeface="MV Boli"/>
+        <a:font script="Deva" typeface="Mangal"/>
+        <a:font script="Telu" typeface="Gautami"/>
+        <a:font script="Taml" typeface="Latha"/>
+        <a:font script="Syrc" typeface="Estrangelo Edessa"/>
+        <a:font script="Orya" typeface="Kalinga"/>
+        <a:font script="Mlym" typeface="Kartika"/>
+        <a:font script="Laoo" typeface="DokChampa"/>
+        <a:font script="Sinh" typeface="Iskoola Pota"/>
+        <a:font script="Mong" typeface="Mongolian Baiti"/>
+        <a:font script="Viet" typeface="Arial"/>
+        <a:font script="Uigh" typeface="Microsoft Uighur"/>
+        <a:font script="Geor" typeface="Sylfaen"/>
+        <a:font script="Armn" typeface="Arial"/>
+        <a:font script="Bugi" typeface="Leelawadee UI"/>
+        <a:font script="Bopo" typeface="Microsoft JhengHei"/>
+        <a:font script="Java" typeface="Javanese Text"/>
+        <a:font script="Lisu" typeface="Segoe UI"/>
+        <a:font script="Mymr" typeface="Myanmar Text"/>
+        <a:font script="Nkoo" typeface="Ebrima"/>
+        <a:font script="Olck" typeface="Nirmala UI"/>
+        <a:font script="Osma" typeface="Ebrima"/>
+        <a:font script="Phag" typeface="Phagspa"/>
+        <a:font script="Syrn" typeface="Estrangelo Edessa"/>
+        <a:font script="Syrj" typeface="Estrangelo Edessa"/>
+        <a:font script="Syre" typeface="Estrangelo Edessa"/>
+        <a:font script="Sora" typeface="Nirmala UI"/>
+        <a:font script="Tale" typeface="Microsoft Tai Le"/>
+        <a:font script="Talu" typeface="Microsoft New Tai Lue"/>
+        <a:font script="Tfng" typeface="Ebrima"/>
+      </a:minorFont>
+    </a:fontScheme>
+    <a:fmtScheme name="Office 佈景主題">
+      <a:fillStyleLst>
+        <a:solidFill>
+          <a:schemeClr val="phClr"/>
+        </a:solidFill>
+        <a:gradFill rotWithShape="1">
+          <a:gsLst>
+            <a:gs pos="0">
+              <a:schemeClr val="phClr">
+                <a:lumMod val="110000"/>
+                <a:satMod val="105000"/>
+                <a:tint val="67000"/>
+              </a:schemeClr>
+            </a:gs>
+            <a:gs pos="50000">
+              <a:schemeClr val="phClr">
+                <a:lumMod val="105000"/>
+                <a:satMod val="103000"/>
+                <a:tint val="73000"/>
+              </a:schemeClr>
+            </a:gs>
+            <a:gs pos="100000">
+              <a:schemeClr val="phClr">
+                <a:lumMod val="105000"/>
+                <a:satMod val="109000"/>
+                <a:tint val="81000"/>
+              </a:schemeClr>
+            </a:gs>
+          </a:gsLst>
+          <a:lin ang="5400000" scaled="0"/>
+        </a:gradFill>
+        <a:gradFill rotWithShape="1">
+          <a:gsLst>
+            <a:gs pos="0">
+              <a:schemeClr val="phClr">
+                <a:satMod val="103000"/>
+                <a:lumMod val="102000"/>
+                <a:tint val="94000"/>
+              </a:schemeClr>
+            </a:gs>
+            <a:gs pos="50000">
+              <a:schemeClr val="phClr">
+                <a:satMod val="110000"/>
+                <a:lumMod val="100000"/>
+                <a:shade val="100000"/>
+              </a:schemeClr>
+            </a:gs>
+            <a:gs pos="100000">
+              <a:schemeClr val="phClr">
+                <a:lumMod val="99000"/>
+                <a:satMod val="120000"/>
+                <a:shade val="78000"/>
+              </a:schemeClr>
+            </a:gs>
+          </a:gsLst>
+          <a:lin ang="5400000" scaled="0"/>
+        </a:gradFill>
+      </a:fillStyleLst>
+      <a:lnStyleLst>
+        <a:ln w="12700" cap="flat" cmpd="sng" algn="ctr">
+          <a:solidFill>
+            <a:schemeClr val="phClr"/>
+          </a:solidFill>
+          <a:prstDash val="solid"/>
+          <a:miter lim="800000"/>
+        </a:ln>
+        <a:ln w="19050" cap="flat" cmpd="sng" algn="ctr">
+          <a:solidFill>
+            <a:schemeClr val="phClr"/>
+          </a:solidFill>
+          <a:prstDash val="solid"/>
+          <a:miter lim="800000"/>
+        </a:ln>
+        <a:ln w="25400" cap="flat" cmpd="sng" algn="ctr">
+          <a:solidFill>
+            <a:schemeClr val="phClr"/>
+          </a:solidFill>
+          <a:prstDash val="solid"/>
+          <a:miter lim="800000"/>
+        </a:ln>
+      </a:lnStyleLst>
+      <a:effectStyleLst>
+        <a:effectStyle>
+          <a:effectLst/>
+        </a:effectStyle>
+        <a:effectStyle>
+          <a:effectLst/>
+        </a:effectStyle>
+        <a:effectStyle>
+          <a:effectLst>
+            <a:outerShdw blurRad="57150" dist="19050" dir="5400000" algn="ctr" rotWithShape="0">
+              <a:srgbClr val="000000">
+                <a:alpha val="63000"/>
+              </a:srgbClr>
+            </a:outerShdw>
+          </a:effectLst>
+        </a:effectStyle>
+      </a:effectStyleLst>
+      <a:bgFillStyleLst>
+        <a:solidFill>
+          <a:schemeClr val="phClr"/>
+        </a:solidFill>
+        <a:solidFill>
+          <a:schemeClr val="phClr">
+            <a:tint val="95000"/>
+            <a:satMod val="170000"/>
+          </a:schemeClr>
+        </a:solidFill>
+        <a:gradFill rotWithShape="1">
+          <a:gsLst>
+            <a:gs pos="0">
+              <a:schemeClr val="phClr">
+                <a:tint val="93000"/>
+                <a:satMod val="150000"/>
+                <a:shade val="98000"/>
+                <a:lumMod val="102000"/>
+              </a:schemeClr>
+            </a:gs>
+            <a:gs pos="50000">
+              <a:schemeClr val="phClr">
+                <a:tint val="98000"/>
+                <a:satMod val="130000"/>
+                <a:shade val="90000"/>
+                <a:lumMod val="103000"/>
+              </a:schemeClr>
+            </a:gs>
+            <a:gs pos="100000">
+              <a:schemeClr val="phClr">
+                <a:shade val="63000"/>
+                <a:satMod val="120000"/>
+              </a:schemeClr>
+            </a:gs>
+          </a:gsLst>
+          <a:lin ang="5400000" scaled="0"/>
+        </a:gradFill>
+      </a:bgFillStyleLst>
+    </a:fmtScheme>
+  </a:themeElements>
+  <a:objectDefaults>
+    <a:lnDef>
+      <a:spPr/>
+      <a:bodyPr/>
+      <a:lstStyle/>
+      <a:style>
+        <a:lnRef idx="2">
+          <a:schemeClr val="accent1"/>
+        </a:lnRef>
+        <a:fillRef idx="0">
+          <a:schemeClr val="accent1"/>
+        </a:fillRef>
+        <a:effectRef idx="1">
+          <a:schemeClr val="accent1"/>
+        </a:effectRef>
+        <a:fontRef idx="minor">
+          <a:schemeClr val="tx1"/>
+        </a:fontRef>
+      </a:style>
+    </a:lnDef>
+  </a:objectDefaults>
+  <a:extraClrSchemeLst/>
+  <a:extLst>
+    <a:ext uri="{05A4C25C-085E-4340-85A3-A5531E510DB2}">
+      <thm15:themeFamily xmlns:thm15="http://schemas.microsoft.com/office/thememl/2012/main" name="Office Theme" id="{2E142A2C-CD16-42D6-873A-C26D2A0506FA}" vid="{3A418E6B-C5F0-4B95-8D77-61E3EF3B5DF5}"/>
+    </a:ext>
+  </a:extLst>
+</a:theme>
+</file>
+
+<file path=ppt/theme/theme2.xml><?xml version="1.0" encoding="utf-8"?>
+<a:theme xmlns:a="http://schemas.openxmlformats.org/drawingml/2006/main" name="Office 佈景主題">
+  <a:themeElements>
+    <a:clrScheme name="Office">
+      <a:dk1>
+        <a:sysClr val="windowText" lastClr="000000"/>
+      </a:dk1>
+      <a:lt1>
+        <a:sysClr val="window" lastClr="FFFFFF"/>
+      </a:lt1>
+      <a:dk2>
+        <a:srgbClr val="0E2841"/>
+      </a:dk2>
+      <a:lt2>
+        <a:srgbClr val="E8E8E8"/>
+      </a:lt2>
+      <a:accent1>
+        <a:srgbClr val="156082"/>
+      </a:accent1>
+      <a:accent2>
+        <a:srgbClr val="E97132"/>
+      </a:accent2>
+      <a:accent3>
+        <a:srgbClr val="196B24"/>
+      </a:accent3>
+      <a:accent4>
+        <a:srgbClr val="0F9ED5"/>
+      </a:accent4>
+      <a:accent5>
+        <a:srgbClr val="A02B93"/>
+      </a:accent5>
+      <a:accent6>
+        <a:srgbClr val="4EA72E"/>
+      </a:accent6>
+      <a:hlink>
+        <a:srgbClr val="467886"/>
+      </a:hlink>
+      <a:folHlink>
+        <a:srgbClr val="96607D"/>
+      </a:folHlink>
+    </a:clrScheme>
+    <a:fontScheme name="Office">
+      <a:majorFont>
+        <a:latin typeface="Aptos Display" panose="02110004020202020204"/>
+        <a:ea typeface=""/>
+        <a:cs typeface=""/>
+        <a:font script="Jpan" typeface="游ゴシック Light"/>
+        <a:font script="Hang" typeface="맑은 고딕"/>
+        <a:font script="Hans" typeface="等线 Light"/>
+        <a:font script="Hant" typeface="新細明體"/>
+        <a:font script="Arab" typeface="Times New Roman"/>
+        <a:font script="Hebr" typeface="Times New Roman"/>
+        <a:font script="Thai" typeface="Angsana New"/>
+        <a:font script="Ethi" typeface="Nyala"/>
+        <a:font script="Beng" typeface="Vrinda"/>
+        <a:font script="Gujr" typeface="Shruti"/>
+        <a:font script="Khmr" typeface="MoolBoran"/>
+        <a:font script="Knda" typeface="Tunga"/>
+        <a:font script="Guru" typeface="Raavi"/>
+        <a:font script="Cans" typeface="Euphemia"/>
+        <a:font script="Cher" typeface="Plantagenet Cherokee"/>
+        <a:font script="Yiii" typeface="Microsoft Yi Baiti"/>
+        <a:font script="Tibt" typeface="Microsoft Himalaya"/>
+        <a:font script="Thaa" typeface="MV Boli"/>
+        <a:font script="Deva" typeface="Mangal"/>
+        <a:font script="Telu" typeface="Gautami"/>
+        <a:font script="Taml" typeface="Latha"/>
+        <a:font script="Syrc" typeface="Estrangelo Edessa"/>
+        <a:font script="Orya" typeface="Kalinga"/>
+        <a:font script="Mlym" typeface="Kartika"/>
+        <a:font script="Laoo" typeface="DokChampa"/>
+        <a:font script="Sinh" typeface="Iskoola Pota"/>
+        <a:font script="Mong" typeface="Mongolian Baiti"/>
+        <a:font script="Viet" typeface="Times New Roman"/>
+        <a:font script="Uigh" typeface="Microsoft Uighur"/>
+        <a:font script="Geor" typeface="Sylfaen"/>
+        <a:font script="Armn" typeface="Arial"/>
+        <a:font script="Bugi" typeface="Leelawadee UI"/>
+        <a:font script="Bopo" typeface="Microsoft JhengHei"/>
+        <a:font script="Java" typeface="Javanese Text"/>
+        <a:font script="Lisu" typeface="Segoe UI"/>
+        <a:font script="Mymr" typeface="Myanmar Text"/>
+        <a:font script="Nkoo" typeface="Ebrima"/>
+        <a:font script="Olck" typeface="Nirmala UI"/>
+        <a:font script="Osma" typeface="Ebrima"/>
+        <a:font script="Phag" typeface="Phagspa"/>
+        <a:font script="Syrn" typeface="Estrangelo Edessa"/>
+        <a:font script="Syrj" typeface="Estrangelo Edessa"/>
+        <a:font script="Syre" typeface="Estrangelo Edessa"/>
+        <a:font script="Sora" typeface="Nirmala UI"/>
+        <a:font script="Tale" typeface="Microsoft Tai Le"/>
+        <a:font script="Talu" typeface="Microsoft New Tai Lue"/>
+        <a:font script="Tfng" typeface="Ebrima"/>
+      </a:majorFont>
+      <a:minorFont>
+        <a:latin typeface="Aptos" panose="02110004020202020204"/>
         <a:ea typeface=""/>
         <a:cs typeface=""/>
         <a:font script="Jpan" typeface="游ゴシック"/>
@@ -3590,13 +5266,6 @@
         </a:gradFill>
       </a:fillStyleLst>
       <a:lnStyleLst>
-        <a:ln w="6350" cap="flat" cmpd="sng" algn="ctr">
-          <a:solidFill>
-            <a:schemeClr val="phClr"/>
-          </a:solidFill>
-          <a:prstDash val="solid"/>
-          <a:miter lim="800000"/>
-        </a:ln>
         <a:ln w="12700" cap="flat" cmpd="sng" algn="ctr">
           <a:solidFill>
             <a:schemeClr val="phClr"/>
@@ -3605,6 +5274,13 @@
           <a:miter lim="800000"/>
         </a:ln>
         <a:ln w="19050" cap="flat" cmpd="sng" algn="ctr">
+          <a:solidFill>
+            <a:schemeClr val="phClr"/>
+          </a:solidFill>
+          <a:prstDash val="solid"/>
+          <a:miter lim="800000"/>
+        </a:ln>
+        <a:ln w="25400" cap="flat" cmpd="sng" algn="ctr">
           <a:solidFill>
             <a:schemeClr val="phClr"/>
           </a:solidFill>
@@ -3669,11 +5345,31 @@
       </a:bgFillStyleLst>
     </a:fmtScheme>
   </a:themeElements>
-  <a:objectDefaults/>
+  <a:objectDefaults>
+    <a:lnDef>
+      <a:spPr/>
+      <a:bodyPr/>
+      <a:lstStyle/>
+      <a:style>
+        <a:lnRef idx="2">
+          <a:schemeClr val="accent1"/>
+        </a:lnRef>
+        <a:fillRef idx="0">
+          <a:schemeClr val="accent1"/>
+        </a:fillRef>
+        <a:effectRef idx="1">
+          <a:schemeClr val="accent1"/>
+        </a:effectRef>
+        <a:fontRef idx="minor">
+          <a:schemeClr val="tx1"/>
+        </a:fontRef>
+      </a:style>
+    </a:lnDef>
+  </a:objectDefaults>
   <a:extraClrSchemeLst/>
   <a:extLst>
     <a:ext uri="{05A4C25C-085E-4340-85A3-A5531E510DB2}">
-      <thm15:themeFamily xmlns:thm15="http://schemas.microsoft.com/office/thememl/2012/main" name="Office Theme" id="{62F939B6-93AF-4DB8-9C6B-D6C7DFDC589F}" vid="{4A3C46E8-61CC-4603-A589-7422A47A8E4A}"/>
+      <thm15:themeFamily xmlns:thm15="http://schemas.microsoft.com/office/thememl/2012/main" name="Office Theme" id="{2E142A2C-CD16-42D6-873A-C26D2A0506FA}" vid="{1BDDFF52-6CD6-40A5-AB3C-68EB2F1E4D0A}"/>
     </a:ext>
   </a:extLst>
 </a:theme>
